--- a/curio_async/docs/Asyncio_in_alternative_reality.pptx
+++ b/curio_async/docs/Asyncio_in_alternative_reality.pptx
@@ -253,7 +253,7 @@
           <a:p>
             <a:fld id="{BC4A4BB2-ABFD-4252-BA4C-86E51B5768DF}" type="datetimeFigureOut">
               <a:rPr lang="en-GB" smtClean="0"/>
-              <a:t>08/05/2023</a:t>
+              <a:t>12/05/2023</a:t>
             </a:fld>
             <a:endParaRPr lang="en-GB"/>
           </a:p>
@@ -423,7 +423,7 @@
           <a:p>
             <a:fld id="{BC4A4BB2-ABFD-4252-BA4C-86E51B5768DF}" type="datetimeFigureOut">
               <a:rPr lang="en-GB" smtClean="0"/>
-              <a:t>08/05/2023</a:t>
+              <a:t>12/05/2023</a:t>
             </a:fld>
             <a:endParaRPr lang="en-GB"/>
           </a:p>
@@ -603,7 +603,7 @@
           <a:p>
             <a:fld id="{BC4A4BB2-ABFD-4252-BA4C-86E51B5768DF}" type="datetimeFigureOut">
               <a:rPr lang="en-GB" smtClean="0"/>
-              <a:t>08/05/2023</a:t>
+              <a:t>12/05/2023</a:t>
             </a:fld>
             <a:endParaRPr lang="en-GB"/>
           </a:p>
@@ -773,7 +773,7 @@
           <a:p>
             <a:fld id="{BC4A4BB2-ABFD-4252-BA4C-86E51B5768DF}" type="datetimeFigureOut">
               <a:rPr lang="en-GB" smtClean="0"/>
-              <a:t>08/05/2023</a:t>
+              <a:t>12/05/2023</a:t>
             </a:fld>
             <a:endParaRPr lang="en-GB"/>
           </a:p>
@@ -1019,7 +1019,7 @@
           <a:p>
             <a:fld id="{BC4A4BB2-ABFD-4252-BA4C-86E51B5768DF}" type="datetimeFigureOut">
               <a:rPr lang="en-GB" smtClean="0"/>
-              <a:t>08/05/2023</a:t>
+              <a:t>12/05/2023</a:t>
             </a:fld>
             <a:endParaRPr lang="en-GB"/>
           </a:p>
@@ -1251,7 +1251,7 @@
           <a:p>
             <a:fld id="{BC4A4BB2-ABFD-4252-BA4C-86E51B5768DF}" type="datetimeFigureOut">
               <a:rPr lang="en-GB" smtClean="0"/>
-              <a:t>08/05/2023</a:t>
+              <a:t>12/05/2023</a:t>
             </a:fld>
             <a:endParaRPr lang="en-GB"/>
           </a:p>
@@ -1618,7 +1618,7 @@
           <a:p>
             <a:fld id="{BC4A4BB2-ABFD-4252-BA4C-86E51B5768DF}" type="datetimeFigureOut">
               <a:rPr lang="en-GB" smtClean="0"/>
-              <a:t>08/05/2023</a:t>
+              <a:t>12/05/2023</a:t>
             </a:fld>
             <a:endParaRPr lang="en-GB"/>
           </a:p>
@@ -1736,7 +1736,7 @@
           <a:p>
             <a:fld id="{BC4A4BB2-ABFD-4252-BA4C-86E51B5768DF}" type="datetimeFigureOut">
               <a:rPr lang="en-GB" smtClean="0"/>
-              <a:t>08/05/2023</a:t>
+              <a:t>12/05/2023</a:t>
             </a:fld>
             <a:endParaRPr lang="en-GB"/>
           </a:p>
@@ -1831,7 +1831,7 @@
           <a:p>
             <a:fld id="{BC4A4BB2-ABFD-4252-BA4C-86E51B5768DF}" type="datetimeFigureOut">
               <a:rPr lang="en-GB" smtClean="0"/>
-              <a:t>08/05/2023</a:t>
+              <a:t>12/05/2023</a:t>
             </a:fld>
             <a:endParaRPr lang="en-GB"/>
           </a:p>
@@ -2108,7 +2108,7 @@
           <a:p>
             <a:fld id="{BC4A4BB2-ABFD-4252-BA4C-86E51B5768DF}" type="datetimeFigureOut">
               <a:rPr lang="en-GB" smtClean="0"/>
-              <a:t>08/05/2023</a:t>
+              <a:t>12/05/2023</a:t>
             </a:fld>
             <a:endParaRPr lang="en-GB"/>
           </a:p>
@@ -2361,7 +2361,7 @@
           <a:p>
             <a:fld id="{BC4A4BB2-ABFD-4252-BA4C-86E51B5768DF}" type="datetimeFigureOut">
               <a:rPr lang="en-GB" smtClean="0"/>
-              <a:t>08/05/2023</a:t>
+              <a:t>12/05/2023</a:t>
             </a:fld>
             <a:endParaRPr lang="en-GB"/>
           </a:p>
@@ -2574,7 +2574,7 @@
           <a:p>
             <a:fld id="{BC4A4BB2-ABFD-4252-BA4C-86E51B5768DF}" type="datetimeFigureOut">
               <a:rPr lang="en-GB" smtClean="0"/>
-              <a:t>08/05/2023</a:t>
+              <a:t>12/05/2023</a:t>
             </a:fld>
             <a:endParaRPr lang="en-GB"/>
           </a:p>
@@ -2989,7 +2989,12 @@
             <p:ph type="ctrTitle"/>
           </p:nvPr>
         </p:nvSpPr>
-        <p:spPr/>
+        <p:spPr>
+          <a:xfrm>
+            <a:off x="1524000" y="1122363"/>
+            <a:ext cx="7293429" cy="2387600"/>
+          </a:xfrm>
+        </p:spPr>
         <p:txBody>
           <a:bodyPr>
             <a:normAutofit fontScale="90000"/>
@@ -3024,7 +3029,7 @@
         </p:nvSpPr>
         <p:spPr>
           <a:xfrm>
-            <a:off x="1390650" y="3754438"/>
+            <a:off x="1390649" y="4325938"/>
             <a:ext cx="9144000" cy="1655762"/>
           </a:xfrm>
         </p:spPr>
@@ -3066,6 +3071,36 @@
           </a:p>
         </p:txBody>
       </p:sp>
+      <p:pic>
+        <p:nvPicPr>
+          <p:cNvPr id="4" name="Picture 3"/>
+          <p:cNvPicPr>
+            <a:picLocks noChangeAspect="1"/>
+          </p:cNvPicPr>
+          <p:nvPr/>
+        </p:nvPicPr>
+        <p:blipFill>
+          <a:blip r:embed="rId2" cstate="print">
+            <a:extLst>
+              <a:ext uri="{28A0092B-C50C-407E-A947-70E740481C1C}">
+                <a14:useLocalDpi xmlns:a14="http://schemas.microsoft.com/office/drawing/2010/main" val="0"/>
+              </a:ext>
+            </a:extLst>
+          </a:blip>
+          <a:stretch>
+            <a:fillRect/>
+          </a:stretch>
+        </p:blipFill>
+        <p:spPr>
+          <a:xfrm>
+            <a:off x="8817429" y="756558"/>
+            <a:ext cx="2998397" cy="2998397"/>
+          </a:xfrm>
+          <a:prstGeom prst="rect">
+            <a:avLst/>
+          </a:prstGeom>
+        </p:spPr>
+      </p:pic>
     </p:spTree>
     <p:extLst>
       <p:ext uri="{BB962C8B-B14F-4D97-AF65-F5344CB8AC3E}">
@@ -3076,6 +3111,13 @@
   <p:clrMapOvr>
     <a:masterClrMapping/>
   </p:clrMapOvr>
+  <p:timing>
+    <p:tnLst>
+      <p:par>
+        <p:cTn id="1" dur="indefinite" restart="never" nodeType="tmRoot"/>
+      </p:par>
+    </p:tnLst>
+  </p:timing>
 </p:sld>
 </file>
 
@@ -3196,7 +3238,6 @@
               <a:rPr lang="en-GB" u="sng" dirty="0"/>
               <a:t>- 0.16</a:t>
             </a:r>
-            <a:endParaRPr lang="en-GB" u="sng" dirty="0"/>
           </a:p>
         </p:txBody>
       </p:sp>
@@ -3210,6 +3251,13 @@
   <p:clrMapOvr>
     <a:masterClrMapping/>
   </p:clrMapOvr>
+  <p:timing>
+    <p:tnLst>
+      <p:par>
+        <p:cTn id="1" dur="indefinite" restart="never" nodeType="tmRoot"/>
+      </p:par>
+    </p:tnLst>
+  </p:timing>
 </p:sld>
 </file>
 
@@ -3466,6 +3514,13 @@
   <p:clrMapOvr>
     <a:masterClrMapping/>
   </p:clrMapOvr>
+  <p:timing>
+    <p:tnLst>
+      <p:par>
+        <p:cTn id="1" dur="indefinite" restart="never" nodeType="tmRoot"/>
+      </p:par>
+    </p:tnLst>
+  </p:timing>
 </p:sld>
 </file>
 
@@ -3566,6 +3621,13 @@
   <p:clrMapOvr>
     <a:masterClrMapping/>
   </p:clrMapOvr>
+  <p:timing>
+    <p:tnLst>
+      <p:par>
+        <p:cTn id="1" dur="indefinite" restart="never" nodeType="tmRoot"/>
+      </p:par>
+    </p:tnLst>
+  </p:timing>
 </p:sld>
 </file>
 
@@ -3734,6 +3796,13 @@
   <p:clrMapOvr>
     <a:masterClrMapping/>
   </p:clrMapOvr>
+  <p:timing>
+    <p:tnLst>
+      <p:par>
+        <p:cTn id="1" dur="indefinite" restart="never" nodeType="tmRoot"/>
+      </p:par>
+    </p:tnLst>
+  </p:timing>
 </p:sld>
 </file>
 
@@ -3934,6 +4003,13 @@
   <p:clrMapOvr>
     <a:masterClrMapping/>
   </p:clrMapOvr>
+  <p:timing>
+    <p:tnLst>
+      <p:par>
+        <p:cTn id="1" dur="indefinite" restart="never" nodeType="tmRoot"/>
+      </p:par>
+    </p:tnLst>
+  </p:timing>
 </p:sld>
 </file>
 
@@ -4065,6 +4141,13 @@
   <p:clrMapOvr>
     <a:masterClrMapping/>
   </p:clrMapOvr>
+  <p:timing>
+    <p:tnLst>
+      <p:par>
+        <p:cTn id="1" dur="indefinite" restart="never" nodeType="tmRoot"/>
+      </p:par>
+    </p:tnLst>
+  </p:timing>
 </p:sld>
 </file>
 
@@ -4190,6 +4273,13 @@
   <p:clrMapOvr>
     <a:masterClrMapping/>
   </p:clrMapOvr>
+  <p:timing>
+    <p:tnLst>
+      <p:par>
+        <p:cTn id="1" dur="indefinite" restart="never" nodeType="tmRoot"/>
+      </p:par>
+    </p:tnLst>
+  </p:timing>
 </p:sld>
 </file>
 
@@ -4284,7 +4374,6 @@
               <a:rPr lang="de-AT" dirty="0" smtClean="0"/>
               <a:t> ?</a:t>
             </a:r>
-            <a:endParaRPr lang="de-AT" dirty="0" smtClean="0"/>
           </a:p>
           <a:p>
             <a:pPr marL="0" indent="0">
@@ -4297,7 +4386,6 @@
               <a:rPr lang="de-AT" dirty="0" smtClean="0"/>
               <a:t>Trio ??</a:t>
             </a:r>
-            <a:endParaRPr lang="de-AT" dirty="0" smtClean="0"/>
           </a:p>
           <a:p>
             <a:endParaRPr lang="de-AT" dirty="0"/>
@@ -4334,6 +4422,13 @@
   <p:clrMapOvr>
     <a:masterClrMapping/>
   </p:clrMapOvr>
+  <p:timing>
+    <p:tnLst>
+      <p:par>
+        <p:cTn id="1" dur="indefinite" restart="never" nodeType="tmRoot"/>
+      </p:par>
+    </p:tnLst>
+  </p:timing>
 </p:sld>
 </file>
 
@@ -4438,6 +4533,13 @@
   <p:clrMapOvr>
     <a:masterClrMapping/>
   </p:clrMapOvr>
+  <p:timing>
+    <p:tnLst>
+      <p:par>
+        <p:cTn id="1" dur="indefinite" restart="never" nodeType="tmRoot"/>
+      </p:par>
+    </p:tnLst>
+  </p:timing>
 </p:sld>
 </file>
 

--- a/curio_async/docs/Asyncio_in_alternative_reality.pptx
+++ b/curio_async/docs/Asyncio_in_alternative_reality.pptx
@@ -16,6 +16,7 @@
     <p:sldId id="264" r:id="rId10"/>
     <p:sldId id="265" r:id="rId11"/>
     <p:sldId id="266" r:id="rId12"/>
+    <p:sldId id="267" r:id="rId13"/>
   </p:sldIdLst>
   <p:sldSz cx="12192000" cy="6858000"/>
   <p:notesSz cx="6858000" cy="9144000"/>
@@ -253,7 +254,7 @@
           <a:p>
             <a:fld id="{BC4A4BB2-ABFD-4252-BA4C-86E51B5768DF}" type="datetimeFigureOut">
               <a:rPr lang="en-GB" smtClean="0"/>
-              <a:t>12/05/2023</a:t>
+              <a:t>18/05/2023</a:t>
             </a:fld>
             <a:endParaRPr lang="en-GB"/>
           </a:p>
@@ -423,7 +424,7 @@
           <a:p>
             <a:fld id="{BC4A4BB2-ABFD-4252-BA4C-86E51B5768DF}" type="datetimeFigureOut">
               <a:rPr lang="en-GB" smtClean="0"/>
-              <a:t>12/05/2023</a:t>
+              <a:t>18/05/2023</a:t>
             </a:fld>
             <a:endParaRPr lang="en-GB"/>
           </a:p>
@@ -603,7 +604,7 @@
           <a:p>
             <a:fld id="{BC4A4BB2-ABFD-4252-BA4C-86E51B5768DF}" type="datetimeFigureOut">
               <a:rPr lang="en-GB" smtClean="0"/>
-              <a:t>12/05/2023</a:t>
+              <a:t>18/05/2023</a:t>
             </a:fld>
             <a:endParaRPr lang="en-GB"/>
           </a:p>
@@ -773,7 +774,7 @@
           <a:p>
             <a:fld id="{BC4A4BB2-ABFD-4252-BA4C-86E51B5768DF}" type="datetimeFigureOut">
               <a:rPr lang="en-GB" smtClean="0"/>
-              <a:t>12/05/2023</a:t>
+              <a:t>18/05/2023</a:t>
             </a:fld>
             <a:endParaRPr lang="en-GB"/>
           </a:p>
@@ -1019,7 +1020,7 @@
           <a:p>
             <a:fld id="{BC4A4BB2-ABFD-4252-BA4C-86E51B5768DF}" type="datetimeFigureOut">
               <a:rPr lang="en-GB" smtClean="0"/>
-              <a:t>12/05/2023</a:t>
+              <a:t>18/05/2023</a:t>
             </a:fld>
             <a:endParaRPr lang="en-GB"/>
           </a:p>
@@ -1251,7 +1252,7 @@
           <a:p>
             <a:fld id="{BC4A4BB2-ABFD-4252-BA4C-86E51B5768DF}" type="datetimeFigureOut">
               <a:rPr lang="en-GB" smtClean="0"/>
-              <a:t>12/05/2023</a:t>
+              <a:t>18/05/2023</a:t>
             </a:fld>
             <a:endParaRPr lang="en-GB"/>
           </a:p>
@@ -1618,7 +1619,7 @@
           <a:p>
             <a:fld id="{BC4A4BB2-ABFD-4252-BA4C-86E51B5768DF}" type="datetimeFigureOut">
               <a:rPr lang="en-GB" smtClean="0"/>
-              <a:t>12/05/2023</a:t>
+              <a:t>18/05/2023</a:t>
             </a:fld>
             <a:endParaRPr lang="en-GB"/>
           </a:p>
@@ -1736,7 +1737,7 @@
           <a:p>
             <a:fld id="{BC4A4BB2-ABFD-4252-BA4C-86E51B5768DF}" type="datetimeFigureOut">
               <a:rPr lang="en-GB" smtClean="0"/>
-              <a:t>12/05/2023</a:t>
+              <a:t>18/05/2023</a:t>
             </a:fld>
             <a:endParaRPr lang="en-GB"/>
           </a:p>
@@ -1831,7 +1832,7 @@
           <a:p>
             <a:fld id="{BC4A4BB2-ABFD-4252-BA4C-86E51B5768DF}" type="datetimeFigureOut">
               <a:rPr lang="en-GB" smtClean="0"/>
-              <a:t>12/05/2023</a:t>
+              <a:t>18/05/2023</a:t>
             </a:fld>
             <a:endParaRPr lang="en-GB"/>
           </a:p>
@@ -2108,7 +2109,7 @@
           <a:p>
             <a:fld id="{BC4A4BB2-ABFD-4252-BA4C-86E51B5768DF}" type="datetimeFigureOut">
               <a:rPr lang="en-GB" smtClean="0"/>
-              <a:t>12/05/2023</a:t>
+              <a:t>18/05/2023</a:t>
             </a:fld>
             <a:endParaRPr lang="en-GB"/>
           </a:p>
@@ -2361,7 +2362,7 @@
           <a:p>
             <a:fld id="{BC4A4BB2-ABFD-4252-BA4C-86E51B5768DF}" type="datetimeFigureOut">
               <a:rPr lang="en-GB" smtClean="0"/>
-              <a:t>12/05/2023</a:t>
+              <a:t>18/05/2023</a:t>
             </a:fld>
             <a:endParaRPr lang="en-GB"/>
           </a:p>
@@ -2574,7 +2575,7 @@
           <a:p>
             <a:fld id="{BC4A4BB2-ABFD-4252-BA4C-86E51B5768DF}" type="datetimeFigureOut">
               <a:rPr lang="en-GB" smtClean="0"/>
-              <a:t>12/05/2023</a:t>
+              <a:t>18/05/2023</a:t>
             </a:fld>
             <a:endParaRPr lang="en-GB"/>
           </a:p>
@@ -3295,7 +3296,19 @@
           <a:p>
             <a:r>
               <a:rPr lang="en-GB" dirty="0" smtClean="0"/>
-              <a:t>TCP server file read and send answer</a:t>
+              <a:t>TCP </a:t>
+            </a:r>
+            <a:r>
+              <a:rPr lang="en-GB" dirty="0"/>
+              <a:t>server </a:t>
+            </a:r>
+            <a:r>
+              <a:rPr lang="en-GB" dirty="0" smtClean="0"/>
+              <a:t>get request and send </a:t>
+            </a:r>
+            <a:r>
+              <a:rPr lang="en-GB" dirty="0" smtClean="0"/>
+              <a:t>response</a:t>
             </a:r>
             <a:endParaRPr lang="en-GB" dirty="0"/>
           </a:p>
@@ -3318,8 +3331,55 @@
           <a:p>
             <a:r>
               <a:rPr lang="en-GB" dirty="0"/>
-              <a:t>3_curio_server.py</a:t>
-            </a:r>
+              <a:t>python </a:t>
+            </a:r>
+            <a:r>
+              <a:rPr lang="en-GB" dirty="0" smtClean="0"/>
+              <a:t>3_syncfile.py echo "hello world"</a:t>
+            </a:r>
+          </a:p>
+          <a:p>
+            <a:endParaRPr lang="en-GB" dirty="0"/>
+          </a:p>
+          <a:p>
+            <a:r>
+              <a:rPr lang="en-GB" dirty="0"/>
+              <a:t>python </a:t>
+            </a:r>
+            <a:r>
+              <a:rPr lang="en-GB" dirty="0" smtClean="0"/>
+              <a:t>3_aiohttp_server.py echo</a:t>
+            </a:r>
+            <a:r>
+              <a:rPr lang="en-GB" dirty="0"/>
+              <a:t> "hello world</a:t>
+            </a:r>
+            <a:r>
+              <a:rPr lang="en-GB" dirty="0" smtClean="0"/>
+              <a:t>"</a:t>
+            </a:r>
+          </a:p>
+          <a:p>
+            <a:endParaRPr lang="en-GB" dirty="0"/>
+          </a:p>
+          <a:p>
+            <a:r>
+              <a:rPr lang="en-GB" dirty="0" smtClean="0"/>
+              <a:t>python </a:t>
+            </a:r>
+            <a:r>
+              <a:rPr lang="en-GB" dirty="0"/>
+              <a:t>3_curio_server.py echo "hello world"</a:t>
+            </a:r>
+          </a:p>
+          <a:p>
+            <a:pPr marL="0" indent="0">
+              <a:buNone/>
+            </a:pPr>
+            <a:endParaRPr lang="en-GB" dirty="0" smtClean="0"/>
+          </a:p>
+          <a:p>
+            <a:endParaRPr lang="en-GB" dirty="0"/>
           </a:p>
         </p:txBody>
       </p:sp>
@@ -3333,6 +3393,152 @@
   <p:clrMapOvr>
     <a:masterClrMapping/>
   </p:clrMapOvr>
+  <p:timing>
+    <p:tnLst>
+      <p:par>
+        <p:cTn id="1" dur="indefinite" restart="never" nodeType="tmRoot"/>
+      </p:par>
+    </p:tnLst>
+  </p:timing>
+</p:sld>
+</file>
+
+<file path=ppt/slides/slide12.xml><?xml version="1.0" encoding="utf-8"?>
+<p:sld xmlns:a="http://schemas.openxmlformats.org/drawingml/2006/main" xmlns:r="http://schemas.openxmlformats.org/officeDocument/2006/relationships" xmlns:p="http://schemas.openxmlformats.org/presentationml/2006/main">
+  <p:cSld>
+    <p:spTree>
+      <p:nvGrpSpPr>
+        <p:cNvPr id="1" name=""/>
+        <p:cNvGrpSpPr/>
+        <p:nvPr/>
+      </p:nvGrpSpPr>
+      <p:grpSpPr>
+        <a:xfrm>
+          <a:off x="0" y="0"/>
+          <a:ext cx="0" cy="0"/>
+          <a:chOff x="0" y="0"/>
+          <a:chExt cx="0" cy="0"/>
+        </a:xfrm>
+      </p:grpSpPr>
+      <p:sp>
+        <p:nvSpPr>
+          <p:cNvPr id="2" name="Title 1"/>
+          <p:cNvSpPr>
+            <a:spLocks noGrp="1"/>
+          </p:cNvSpPr>
+          <p:nvPr>
+            <p:ph type="title"/>
+          </p:nvPr>
+        </p:nvSpPr>
+        <p:spPr/>
+        <p:txBody>
+          <a:bodyPr/>
+          <a:lstStyle/>
+          <a:p>
+            <a:r>
+              <a:rPr lang="en-GB" dirty="0" smtClean="0"/>
+              <a:t>TCP server read and send answer</a:t>
+            </a:r>
+            <a:endParaRPr lang="en-GB" dirty="0"/>
+          </a:p>
+        </p:txBody>
+      </p:sp>
+      <p:sp>
+        <p:nvSpPr>
+          <p:cNvPr id="3" name="Content Placeholder 2"/>
+          <p:cNvSpPr>
+            <a:spLocks noGrp="1"/>
+          </p:cNvSpPr>
+          <p:nvPr>
+            <p:ph idx="1"/>
+          </p:nvPr>
+        </p:nvSpPr>
+        <p:spPr/>
+        <p:txBody>
+          <a:bodyPr/>
+          <a:lstStyle/>
+          <a:p>
+            <a:r>
+              <a:rPr lang="en-GB" dirty="0"/>
+              <a:t>python </a:t>
+            </a:r>
+            <a:r>
+              <a:rPr lang="en-GB" dirty="0" smtClean="0"/>
+              <a:t>3_syncfile.py </a:t>
+            </a:r>
+            <a:r>
+              <a:rPr lang="en-GB" dirty="0"/>
+              <a:t>hello world - </a:t>
+            </a:r>
+            <a:r>
+              <a:rPr lang="en-GB" dirty="0" smtClean="0"/>
+              <a:t>~70rps</a:t>
+            </a:r>
+            <a:endParaRPr lang="en-GB" dirty="0"/>
+          </a:p>
+          <a:p>
+            <a:endParaRPr lang="en-GB" dirty="0"/>
+          </a:p>
+          <a:p>
+            <a:r>
+              <a:rPr lang="en-GB" dirty="0"/>
+              <a:t>python </a:t>
+            </a:r>
+            <a:r>
+              <a:rPr lang="en-GB" dirty="0" smtClean="0"/>
+              <a:t>3_aiohttp_server.py hello world - ~900rps</a:t>
+            </a:r>
+            <a:endParaRPr lang="en-GB" dirty="0"/>
+          </a:p>
+          <a:p>
+            <a:pPr marL="0" indent="0">
+              <a:buNone/>
+            </a:pPr>
+            <a:endParaRPr lang="en-GB" dirty="0"/>
+          </a:p>
+          <a:p>
+            <a:r>
+              <a:rPr lang="en-GB" dirty="0" smtClean="0"/>
+              <a:t>python 3_curio_server.py </a:t>
+            </a:r>
+            <a:r>
+              <a:rPr lang="en-GB" dirty="0"/>
+              <a:t>hello world - </a:t>
+            </a:r>
+            <a:r>
+              <a:rPr lang="en-GB" dirty="0" smtClean="0"/>
+              <a:t>~2500rps</a:t>
+            </a:r>
+            <a:endParaRPr lang="en-GB" dirty="0"/>
+          </a:p>
+          <a:p>
+            <a:pPr marL="0" indent="0">
+              <a:buNone/>
+            </a:pPr>
+            <a:endParaRPr lang="en-GB" dirty="0" smtClean="0"/>
+          </a:p>
+          <a:p>
+            <a:endParaRPr lang="en-GB" dirty="0"/>
+          </a:p>
+        </p:txBody>
+      </p:sp>
+    </p:spTree>
+    <p:extLst>
+      <p:ext uri="{BB962C8B-B14F-4D97-AF65-F5344CB8AC3E}">
+        <p14:creationId xmlns:p14="http://schemas.microsoft.com/office/powerpoint/2010/main" val="2007810665"/>
+      </p:ext>
+    </p:extLst>
+  </p:cSld>
+  <p:clrMapOvr>
+    <a:masterClrMapping/>
+  </p:clrMapOvr>
+  <p:timing>
+    <p:tnLst>
+      <p:par>
+        <p:cTn id="1" dur="indefinite" restart="never" nodeType="tmRoot"/>
+      </p:par>
+    </p:tnLst>
+  </p:timing>
 </p:sld>
 </file>
 

--- a/curio_async/docs/Asyncio_in_alternative_reality.pptx
+++ b/curio_async/docs/Asyncio_in_alternative_reality.pptx
@@ -17,6 +17,8 @@
     <p:sldId id="265" r:id="rId11"/>
     <p:sldId id="266" r:id="rId12"/>
     <p:sldId id="267" r:id="rId13"/>
+    <p:sldId id="268" r:id="rId14"/>
+    <p:sldId id="269" r:id="rId15"/>
   </p:sldIdLst>
   <p:sldSz cx="12192000" cy="6858000"/>
   <p:notesSz cx="6858000" cy="9144000"/>
@@ -254,7 +256,7 @@
           <a:p>
             <a:fld id="{BC4A4BB2-ABFD-4252-BA4C-86E51B5768DF}" type="datetimeFigureOut">
               <a:rPr lang="en-GB" smtClean="0"/>
-              <a:t>18/05/2023</a:t>
+              <a:t>21/05/2023</a:t>
             </a:fld>
             <a:endParaRPr lang="en-GB"/>
           </a:p>
@@ -424,7 +426,7 @@
           <a:p>
             <a:fld id="{BC4A4BB2-ABFD-4252-BA4C-86E51B5768DF}" type="datetimeFigureOut">
               <a:rPr lang="en-GB" smtClean="0"/>
-              <a:t>18/05/2023</a:t>
+              <a:t>21/05/2023</a:t>
             </a:fld>
             <a:endParaRPr lang="en-GB"/>
           </a:p>
@@ -604,7 +606,7 @@
           <a:p>
             <a:fld id="{BC4A4BB2-ABFD-4252-BA4C-86E51B5768DF}" type="datetimeFigureOut">
               <a:rPr lang="en-GB" smtClean="0"/>
-              <a:t>18/05/2023</a:t>
+              <a:t>21/05/2023</a:t>
             </a:fld>
             <a:endParaRPr lang="en-GB"/>
           </a:p>
@@ -774,7 +776,7 @@
           <a:p>
             <a:fld id="{BC4A4BB2-ABFD-4252-BA4C-86E51B5768DF}" type="datetimeFigureOut">
               <a:rPr lang="en-GB" smtClean="0"/>
-              <a:t>18/05/2023</a:t>
+              <a:t>21/05/2023</a:t>
             </a:fld>
             <a:endParaRPr lang="en-GB"/>
           </a:p>
@@ -1020,7 +1022,7 @@
           <a:p>
             <a:fld id="{BC4A4BB2-ABFD-4252-BA4C-86E51B5768DF}" type="datetimeFigureOut">
               <a:rPr lang="en-GB" smtClean="0"/>
-              <a:t>18/05/2023</a:t>
+              <a:t>21/05/2023</a:t>
             </a:fld>
             <a:endParaRPr lang="en-GB"/>
           </a:p>
@@ -1252,7 +1254,7 @@
           <a:p>
             <a:fld id="{BC4A4BB2-ABFD-4252-BA4C-86E51B5768DF}" type="datetimeFigureOut">
               <a:rPr lang="en-GB" smtClean="0"/>
-              <a:t>18/05/2023</a:t>
+              <a:t>21/05/2023</a:t>
             </a:fld>
             <a:endParaRPr lang="en-GB"/>
           </a:p>
@@ -1619,7 +1621,7 @@
           <a:p>
             <a:fld id="{BC4A4BB2-ABFD-4252-BA4C-86E51B5768DF}" type="datetimeFigureOut">
               <a:rPr lang="en-GB" smtClean="0"/>
-              <a:t>18/05/2023</a:t>
+              <a:t>21/05/2023</a:t>
             </a:fld>
             <a:endParaRPr lang="en-GB"/>
           </a:p>
@@ -1737,7 +1739,7 @@
           <a:p>
             <a:fld id="{BC4A4BB2-ABFD-4252-BA4C-86E51B5768DF}" type="datetimeFigureOut">
               <a:rPr lang="en-GB" smtClean="0"/>
-              <a:t>18/05/2023</a:t>
+              <a:t>21/05/2023</a:t>
             </a:fld>
             <a:endParaRPr lang="en-GB"/>
           </a:p>
@@ -1832,7 +1834,7 @@
           <a:p>
             <a:fld id="{BC4A4BB2-ABFD-4252-BA4C-86E51B5768DF}" type="datetimeFigureOut">
               <a:rPr lang="en-GB" smtClean="0"/>
-              <a:t>18/05/2023</a:t>
+              <a:t>21/05/2023</a:t>
             </a:fld>
             <a:endParaRPr lang="en-GB"/>
           </a:p>
@@ -2109,7 +2111,7 @@
           <a:p>
             <a:fld id="{BC4A4BB2-ABFD-4252-BA4C-86E51B5768DF}" type="datetimeFigureOut">
               <a:rPr lang="en-GB" smtClean="0"/>
-              <a:t>18/05/2023</a:t>
+              <a:t>21/05/2023</a:t>
             </a:fld>
             <a:endParaRPr lang="en-GB"/>
           </a:p>
@@ -2362,7 +2364,7 @@
           <a:p>
             <a:fld id="{BC4A4BB2-ABFD-4252-BA4C-86E51B5768DF}" type="datetimeFigureOut">
               <a:rPr lang="en-GB" smtClean="0"/>
-              <a:t>18/05/2023</a:t>
+              <a:t>21/05/2023</a:t>
             </a:fld>
             <a:endParaRPr lang="en-GB"/>
           </a:p>
@@ -2575,7 +2577,7 @@
           <a:p>
             <a:fld id="{BC4A4BB2-ABFD-4252-BA4C-86E51B5768DF}" type="datetimeFigureOut">
               <a:rPr lang="en-GB" smtClean="0"/>
-              <a:t>18/05/2023</a:t>
+              <a:t>21/05/2023</a:t>
             </a:fld>
             <a:endParaRPr lang="en-GB"/>
           </a:p>
@@ -3304,11 +3306,7 @@
             </a:r>
             <a:r>
               <a:rPr lang="en-GB" dirty="0" smtClean="0"/>
-              <a:t>get request and send </a:t>
-            </a:r>
-            <a:r>
-              <a:rPr lang="en-GB" dirty="0" smtClean="0"/>
-              <a:t>response</a:t>
+              <a:t>get request and send response</a:t>
             </a:r>
             <a:endParaRPr lang="en-GB" dirty="0"/>
           </a:p>
@@ -3526,6 +3524,929 @@
     <p:extLst>
       <p:ext uri="{BB962C8B-B14F-4D97-AF65-F5344CB8AC3E}">
         <p14:creationId xmlns:p14="http://schemas.microsoft.com/office/powerpoint/2010/main" val="2007810665"/>
+      </p:ext>
+    </p:extLst>
+  </p:cSld>
+  <p:clrMapOvr>
+    <a:masterClrMapping/>
+  </p:clrMapOvr>
+  <p:timing>
+    <p:tnLst>
+      <p:par>
+        <p:cTn id="1" dur="indefinite" restart="never" nodeType="tmRoot"/>
+      </p:par>
+    </p:tnLst>
+  </p:timing>
+</p:sld>
+</file>
+
+<file path=ppt/slides/slide13.xml><?xml version="1.0" encoding="utf-8"?>
+<p:sld xmlns:a="http://schemas.openxmlformats.org/drawingml/2006/main" xmlns:r="http://schemas.openxmlformats.org/officeDocument/2006/relationships" xmlns:p="http://schemas.openxmlformats.org/presentationml/2006/main">
+  <p:cSld>
+    <p:spTree>
+      <p:nvGrpSpPr>
+        <p:cNvPr id="1" name=""/>
+        <p:cNvGrpSpPr/>
+        <p:nvPr/>
+      </p:nvGrpSpPr>
+      <p:grpSpPr>
+        <a:xfrm>
+          <a:off x="0" y="0"/>
+          <a:ext cx="0" cy="0"/>
+          <a:chOff x="0" y="0"/>
+          <a:chExt cx="0" cy="0"/>
+        </a:xfrm>
+      </p:grpSpPr>
+      <p:sp>
+        <p:nvSpPr>
+          <p:cNvPr id="2" name="Title 1"/>
+          <p:cNvSpPr>
+            <a:spLocks noGrp="1"/>
+          </p:cNvSpPr>
+          <p:nvPr>
+            <p:ph type="title"/>
+          </p:nvPr>
+        </p:nvSpPr>
+        <p:spPr/>
+        <p:txBody>
+          <a:bodyPr/>
+          <a:lstStyle/>
+          <a:p>
+            <a:r>
+              <a:rPr lang="en-GB" dirty="0"/>
+              <a:t>Micro service read, </a:t>
+            </a:r>
+            <a:r>
+              <a:rPr lang="de-AT" dirty="0" err="1"/>
+              <a:t>render</a:t>
+            </a:r>
+            <a:r>
+              <a:rPr lang="de-AT" dirty="0"/>
+              <a:t> </a:t>
+            </a:r>
+            <a:r>
+              <a:rPr lang="en-GB" dirty="0"/>
+              <a:t>and send answer</a:t>
+            </a:r>
+          </a:p>
+        </p:txBody>
+      </p:sp>
+      <p:sp>
+        <p:nvSpPr>
+          <p:cNvPr id="3" name="Content Placeholder 2"/>
+          <p:cNvSpPr>
+            <a:spLocks noGrp="1"/>
+          </p:cNvSpPr>
+          <p:nvPr>
+            <p:ph idx="1"/>
+          </p:nvPr>
+        </p:nvSpPr>
+        <p:spPr/>
+        <p:txBody>
+          <a:bodyPr/>
+          <a:lstStyle/>
+          <a:p>
+            <a:r>
+              <a:rPr lang="de-AT" dirty="0" smtClean="0"/>
+              <a:t> </a:t>
+            </a:r>
+            <a:endParaRPr lang="en-GB" dirty="0"/>
+          </a:p>
+        </p:txBody>
+      </p:sp>
+      <p:sp>
+        <p:nvSpPr>
+          <p:cNvPr id="4" name="Rectangle 3"/>
+          <p:cNvSpPr/>
+          <p:nvPr/>
+        </p:nvSpPr>
+        <p:spPr>
+          <a:xfrm>
+            <a:off x="2846566" y="2417564"/>
+            <a:ext cx="1796995" cy="914400"/>
+          </a:xfrm>
+          <a:prstGeom prst="rect">
+            <a:avLst/>
+          </a:prstGeom>
+        </p:spPr>
+        <p:style>
+          <a:lnRef idx="2">
+            <a:schemeClr val="accent1">
+              <a:shade val="50000"/>
+            </a:schemeClr>
+          </a:lnRef>
+          <a:fillRef idx="1">
+            <a:schemeClr val="accent1"/>
+          </a:fillRef>
+          <a:effectRef idx="0">
+            <a:schemeClr val="accent1"/>
+          </a:effectRef>
+          <a:fontRef idx="minor">
+            <a:schemeClr val="lt1"/>
+          </a:fontRef>
+        </p:style>
+        <p:txBody>
+          <a:bodyPr rtlCol="0" anchor="ctr"/>
+          <a:lstStyle/>
+          <a:p>
+            <a:pPr algn="ctr"/>
+            <a:r>
+              <a:rPr lang="de-AT" dirty="0" smtClean="0"/>
+              <a:t>Read </a:t>
+            </a:r>
+            <a:r>
+              <a:rPr lang="de-AT" dirty="0" err="1" smtClean="0"/>
+              <a:t>request</a:t>
+            </a:r>
+            <a:r>
+              <a:rPr lang="de-AT" dirty="0" smtClean="0"/>
+              <a:t> </a:t>
+            </a:r>
+            <a:r>
+              <a:rPr lang="de-AT" dirty="0" err="1" smtClean="0"/>
+              <a:t>data</a:t>
+            </a:r>
+            <a:endParaRPr lang="de-AT" dirty="0" smtClean="0"/>
+          </a:p>
+          <a:p>
+            <a:pPr algn="ctr"/>
+            <a:r>
+              <a:rPr lang="de-AT" dirty="0" smtClean="0"/>
+              <a:t>IO </a:t>
+            </a:r>
+            <a:r>
+              <a:rPr lang="de-AT" dirty="0" err="1" smtClean="0"/>
+              <a:t>bounded</a:t>
+            </a:r>
+            <a:endParaRPr lang="en-GB" dirty="0"/>
+          </a:p>
+        </p:txBody>
+      </p:sp>
+      <p:sp>
+        <p:nvSpPr>
+          <p:cNvPr id="5" name="Rectangle 4"/>
+          <p:cNvSpPr/>
+          <p:nvPr/>
+        </p:nvSpPr>
+        <p:spPr>
+          <a:xfrm>
+            <a:off x="8977021" y="2560320"/>
+            <a:ext cx="1796995" cy="914400"/>
+          </a:xfrm>
+          <a:prstGeom prst="rect">
+            <a:avLst/>
+          </a:prstGeom>
+        </p:spPr>
+        <p:style>
+          <a:lnRef idx="2">
+            <a:schemeClr val="accent1">
+              <a:shade val="50000"/>
+            </a:schemeClr>
+          </a:lnRef>
+          <a:fillRef idx="1">
+            <a:schemeClr val="accent1"/>
+          </a:fillRef>
+          <a:effectRef idx="0">
+            <a:schemeClr val="accent1"/>
+          </a:effectRef>
+          <a:fontRef idx="minor">
+            <a:schemeClr val="lt1"/>
+          </a:fontRef>
+        </p:style>
+        <p:txBody>
+          <a:bodyPr rtlCol="0" anchor="ctr"/>
+          <a:lstStyle/>
+          <a:p>
+            <a:pPr algn="ctr"/>
+            <a:r>
+              <a:rPr lang="de-AT" dirty="0" smtClean="0"/>
+              <a:t>Read </a:t>
+            </a:r>
+            <a:r>
+              <a:rPr lang="de-AT" dirty="0" err="1" smtClean="0"/>
+              <a:t>templates</a:t>
+            </a:r>
+            <a:endParaRPr lang="de-AT" dirty="0" smtClean="0"/>
+          </a:p>
+          <a:p>
+            <a:pPr algn="ctr"/>
+            <a:r>
+              <a:rPr lang="de-AT" dirty="0" smtClean="0"/>
+              <a:t>IO </a:t>
+            </a:r>
+            <a:r>
+              <a:rPr lang="de-AT" dirty="0" err="1" smtClean="0"/>
+              <a:t>bounded</a:t>
+            </a:r>
+            <a:endParaRPr lang="en-GB" dirty="0"/>
+          </a:p>
+        </p:txBody>
+      </p:sp>
+      <p:sp>
+        <p:nvSpPr>
+          <p:cNvPr id="6" name="Rectangle 5"/>
+          <p:cNvSpPr/>
+          <p:nvPr/>
+        </p:nvSpPr>
+        <p:spPr>
+          <a:xfrm>
+            <a:off x="8977021" y="3819237"/>
+            <a:ext cx="1796995" cy="914400"/>
+          </a:xfrm>
+          <a:prstGeom prst="rect">
+            <a:avLst/>
+          </a:prstGeom>
+          <a:solidFill>
+            <a:schemeClr val="bg1">
+              <a:lumMod val="85000"/>
+            </a:schemeClr>
+          </a:solidFill>
+        </p:spPr>
+        <p:style>
+          <a:lnRef idx="2">
+            <a:schemeClr val="accent1">
+              <a:shade val="50000"/>
+            </a:schemeClr>
+          </a:lnRef>
+          <a:fillRef idx="1">
+            <a:schemeClr val="accent1"/>
+          </a:fillRef>
+          <a:effectRef idx="0">
+            <a:schemeClr val="accent1"/>
+          </a:effectRef>
+          <a:fontRef idx="minor">
+            <a:schemeClr val="lt1"/>
+          </a:fontRef>
+        </p:style>
+        <p:txBody>
+          <a:bodyPr rtlCol="0" anchor="ctr"/>
+          <a:lstStyle/>
+          <a:p>
+            <a:pPr algn="ctr"/>
+            <a:r>
+              <a:rPr lang="de-AT" dirty="0" err="1" smtClean="0"/>
+              <a:t>Get</a:t>
+            </a:r>
+            <a:r>
+              <a:rPr lang="de-AT" dirty="0" smtClean="0"/>
+              <a:t> </a:t>
+            </a:r>
+            <a:r>
+              <a:rPr lang="de-AT" dirty="0" err="1" smtClean="0"/>
+              <a:t>data</a:t>
+            </a:r>
+            <a:r>
+              <a:rPr lang="de-AT" dirty="0" smtClean="0"/>
+              <a:t> </a:t>
+            </a:r>
+            <a:r>
+              <a:rPr lang="de-AT" dirty="0" err="1" smtClean="0"/>
+              <a:t>for</a:t>
+            </a:r>
+            <a:r>
+              <a:rPr lang="de-AT" dirty="0" smtClean="0"/>
+              <a:t> </a:t>
+            </a:r>
+            <a:r>
+              <a:rPr lang="de-AT" dirty="0" err="1" smtClean="0"/>
+              <a:t>template</a:t>
+            </a:r>
+            <a:endParaRPr lang="de-AT" dirty="0" smtClean="0"/>
+          </a:p>
+          <a:p>
+            <a:pPr algn="ctr"/>
+            <a:r>
+              <a:rPr lang="de-AT" dirty="0" smtClean="0"/>
+              <a:t>IO </a:t>
+            </a:r>
+            <a:r>
+              <a:rPr lang="de-AT" dirty="0" err="1" smtClean="0"/>
+              <a:t>bounded</a:t>
+            </a:r>
+            <a:endParaRPr lang="en-GB" dirty="0"/>
+          </a:p>
+        </p:txBody>
+      </p:sp>
+      <p:sp>
+        <p:nvSpPr>
+          <p:cNvPr id="8" name="Rectangle 7"/>
+          <p:cNvSpPr/>
+          <p:nvPr/>
+        </p:nvSpPr>
+        <p:spPr>
+          <a:xfrm>
+            <a:off x="6096000" y="4276437"/>
+            <a:ext cx="1796995" cy="914400"/>
+          </a:xfrm>
+          <a:prstGeom prst="rect">
+            <a:avLst/>
+          </a:prstGeom>
+        </p:spPr>
+        <p:style>
+          <a:lnRef idx="2">
+            <a:schemeClr val="accent1">
+              <a:shade val="50000"/>
+            </a:schemeClr>
+          </a:lnRef>
+          <a:fillRef idx="1">
+            <a:schemeClr val="accent1"/>
+          </a:fillRef>
+          <a:effectRef idx="0">
+            <a:schemeClr val="accent1"/>
+          </a:effectRef>
+          <a:fontRef idx="minor">
+            <a:schemeClr val="lt1"/>
+          </a:fontRef>
+        </p:style>
+        <p:txBody>
+          <a:bodyPr rtlCol="0" anchor="ctr"/>
+          <a:lstStyle/>
+          <a:p>
+            <a:pPr algn="ctr"/>
+            <a:r>
+              <a:rPr lang="de-AT" dirty="0" err="1" smtClean="0"/>
+              <a:t>Render</a:t>
+            </a:r>
+            <a:endParaRPr lang="de-AT" dirty="0" smtClean="0"/>
+          </a:p>
+          <a:p>
+            <a:pPr algn="ctr"/>
+            <a:r>
+              <a:rPr lang="de-AT" dirty="0" smtClean="0"/>
+              <a:t>CPU </a:t>
+            </a:r>
+            <a:r>
+              <a:rPr lang="de-AT" dirty="0" err="1" smtClean="0"/>
+              <a:t>bounded</a:t>
+            </a:r>
+            <a:endParaRPr lang="en-GB" dirty="0"/>
+          </a:p>
+        </p:txBody>
+      </p:sp>
+      <p:sp>
+        <p:nvSpPr>
+          <p:cNvPr id="11" name="Rectangle 10"/>
+          <p:cNvSpPr/>
+          <p:nvPr/>
+        </p:nvSpPr>
+        <p:spPr>
+          <a:xfrm>
+            <a:off x="2846566" y="4711705"/>
+            <a:ext cx="1796995" cy="914400"/>
+          </a:xfrm>
+          <a:prstGeom prst="rect">
+            <a:avLst/>
+          </a:prstGeom>
+        </p:spPr>
+        <p:style>
+          <a:lnRef idx="2">
+            <a:schemeClr val="accent1">
+              <a:shade val="50000"/>
+            </a:schemeClr>
+          </a:lnRef>
+          <a:fillRef idx="1">
+            <a:schemeClr val="accent1"/>
+          </a:fillRef>
+          <a:effectRef idx="0">
+            <a:schemeClr val="accent1"/>
+          </a:effectRef>
+          <a:fontRef idx="minor">
+            <a:schemeClr val="lt1"/>
+          </a:fontRef>
+        </p:style>
+        <p:txBody>
+          <a:bodyPr rtlCol="0" anchor="ctr"/>
+          <a:lstStyle/>
+          <a:p>
+            <a:pPr algn="ctr"/>
+            <a:r>
+              <a:rPr lang="de-AT" dirty="0" smtClean="0"/>
+              <a:t>Stream </a:t>
+            </a:r>
+            <a:r>
+              <a:rPr lang="de-AT" dirty="0" err="1" smtClean="0"/>
+              <a:t>response</a:t>
+            </a:r>
+            <a:endParaRPr lang="de-AT" dirty="0" smtClean="0"/>
+          </a:p>
+          <a:p>
+            <a:pPr algn="ctr"/>
+            <a:r>
+              <a:rPr lang="de-AT" dirty="0" smtClean="0"/>
+              <a:t>IO </a:t>
+            </a:r>
+            <a:r>
+              <a:rPr lang="de-AT" dirty="0" err="1" smtClean="0"/>
+              <a:t>bounded</a:t>
+            </a:r>
+            <a:endParaRPr lang="en-GB" dirty="0"/>
+          </a:p>
+        </p:txBody>
+      </p:sp>
+      <p:sp>
+        <p:nvSpPr>
+          <p:cNvPr id="21" name="Rectangle 20"/>
+          <p:cNvSpPr/>
+          <p:nvPr/>
+        </p:nvSpPr>
+        <p:spPr>
+          <a:xfrm>
+            <a:off x="6349117" y="2426014"/>
+            <a:ext cx="1796995" cy="914400"/>
+          </a:xfrm>
+          <a:prstGeom prst="rect">
+            <a:avLst/>
+          </a:prstGeom>
+        </p:spPr>
+        <p:style>
+          <a:lnRef idx="2">
+            <a:schemeClr val="accent1">
+              <a:shade val="50000"/>
+            </a:schemeClr>
+          </a:lnRef>
+          <a:fillRef idx="1">
+            <a:schemeClr val="accent1"/>
+          </a:fillRef>
+          <a:effectRef idx="0">
+            <a:schemeClr val="accent1"/>
+          </a:effectRef>
+          <a:fontRef idx="minor">
+            <a:schemeClr val="lt1"/>
+          </a:fontRef>
+        </p:style>
+        <p:txBody>
+          <a:bodyPr rtlCol="0" anchor="ctr"/>
+          <a:lstStyle/>
+          <a:p>
+            <a:pPr algn="ctr"/>
+            <a:r>
+              <a:rPr lang="de-AT" dirty="0" smtClean="0"/>
+              <a:t>View</a:t>
+            </a:r>
+          </a:p>
+          <a:p>
+            <a:pPr algn="ctr"/>
+            <a:r>
+              <a:rPr lang="de-AT" dirty="0" smtClean="0"/>
+              <a:t>Organizer</a:t>
+            </a:r>
+            <a:endParaRPr lang="en-GB" dirty="0"/>
+          </a:p>
+        </p:txBody>
+      </p:sp>
+      <p:cxnSp>
+        <p:nvCxnSpPr>
+          <p:cNvPr id="23" name="Straight Arrow Connector 22"/>
+          <p:cNvCxnSpPr/>
+          <p:nvPr/>
+        </p:nvCxnSpPr>
+        <p:spPr>
+          <a:xfrm>
+            <a:off x="4834392" y="2874764"/>
+            <a:ext cx="1407050" cy="1"/>
+          </a:xfrm>
+          <a:prstGeom prst="straightConnector1">
+            <a:avLst/>
+          </a:prstGeom>
+          <a:ln>
+            <a:tailEnd type="triangle"/>
+          </a:ln>
+        </p:spPr>
+        <p:style>
+          <a:lnRef idx="1">
+            <a:schemeClr val="accent1"/>
+          </a:lnRef>
+          <a:fillRef idx="0">
+            <a:schemeClr val="accent1"/>
+          </a:fillRef>
+          <a:effectRef idx="0">
+            <a:schemeClr val="accent1"/>
+          </a:effectRef>
+          <a:fontRef idx="minor">
+            <a:schemeClr val="tx1"/>
+          </a:fontRef>
+        </p:style>
+      </p:cxnSp>
+      <p:cxnSp>
+        <p:nvCxnSpPr>
+          <p:cNvPr id="25" name="Straight Arrow Connector 24"/>
+          <p:cNvCxnSpPr/>
+          <p:nvPr/>
+        </p:nvCxnSpPr>
+        <p:spPr>
+          <a:xfrm flipH="1">
+            <a:off x="4762830" y="4802588"/>
+            <a:ext cx="1270222" cy="366317"/>
+          </a:xfrm>
+          <a:prstGeom prst="straightConnector1">
+            <a:avLst/>
+          </a:prstGeom>
+          <a:ln>
+            <a:tailEnd type="triangle"/>
+          </a:ln>
+        </p:spPr>
+        <p:style>
+          <a:lnRef idx="1">
+            <a:schemeClr val="accent1"/>
+          </a:lnRef>
+          <a:fillRef idx="0">
+            <a:schemeClr val="accent1"/>
+          </a:fillRef>
+          <a:effectRef idx="0">
+            <a:schemeClr val="accent1"/>
+          </a:effectRef>
+          <a:fontRef idx="minor">
+            <a:schemeClr val="tx1"/>
+          </a:fontRef>
+        </p:style>
+      </p:cxnSp>
+      <p:cxnSp>
+        <p:nvCxnSpPr>
+          <p:cNvPr id="27" name="Straight Arrow Connector 26"/>
+          <p:cNvCxnSpPr/>
+          <p:nvPr/>
+        </p:nvCxnSpPr>
+        <p:spPr>
+          <a:xfrm>
+            <a:off x="8276973" y="2941983"/>
+            <a:ext cx="580780" cy="75538"/>
+          </a:xfrm>
+          <a:prstGeom prst="straightConnector1">
+            <a:avLst/>
+          </a:prstGeom>
+          <a:ln>
+            <a:headEnd type="triangle"/>
+            <a:tailEnd type="triangle"/>
+          </a:ln>
+        </p:spPr>
+        <p:style>
+          <a:lnRef idx="1">
+            <a:schemeClr val="accent1"/>
+          </a:lnRef>
+          <a:fillRef idx="0">
+            <a:schemeClr val="accent1"/>
+          </a:fillRef>
+          <a:effectRef idx="0">
+            <a:schemeClr val="accent1"/>
+          </a:effectRef>
+          <a:fontRef idx="minor">
+            <a:schemeClr val="tx1"/>
+          </a:fontRef>
+        </p:style>
+      </p:cxnSp>
+      <p:cxnSp>
+        <p:nvCxnSpPr>
+          <p:cNvPr id="29" name="Straight Arrow Connector 28"/>
+          <p:cNvCxnSpPr/>
+          <p:nvPr/>
+        </p:nvCxnSpPr>
+        <p:spPr>
+          <a:xfrm>
+            <a:off x="8276973" y="3132837"/>
+            <a:ext cx="580780" cy="1143600"/>
+          </a:xfrm>
+          <a:prstGeom prst="straightConnector1">
+            <a:avLst/>
+          </a:prstGeom>
+          <a:ln>
+            <a:headEnd type="triangle"/>
+            <a:tailEnd type="triangle"/>
+          </a:ln>
+        </p:spPr>
+        <p:style>
+          <a:lnRef idx="1">
+            <a:schemeClr val="accent1"/>
+          </a:lnRef>
+          <a:fillRef idx="0">
+            <a:schemeClr val="accent1"/>
+          </a:fillRef>
+          <a:effectRef idx="0">
+            <a:schemeClr val="accent1"/>
+          </a:effectRef>
+          <a:fontRef idx="minor">
+            <a:schemeClr val="tx1"/>
+          </a:fontRef>
+        </p:style>
+      </p:cxnSp>
+      <p:cxnSp>
+        <p:nvCxnSpPr>
+          <p:cNvPr id="41" name="Straight Arrow Connector 40"/>
+          <p:cNvCxnSpPr/>
+          <p:nvPr/>
+        </p:nvCxnSpPr>
+        <p:spPr>
+          <a:xfrm flipH="1">
+            <a:off x="7124369" y="3466270"/>
+            <a:ext cx="134838" cy="684311"/>
+          </a:xfrm>
+          <a:prstGeom prst="straightConnector1">
+            <a:avLst/>
+          </a:prstGeom>
+          <a:ln>
+            <a:tailEnd type="triangle"/>
+          </a:ln>
+        </p:spPr>
+        <p:style>
+          <a:lnRef idx="1">
+            <a:schemeClr val="accent1"/>
+          </a:lnRef>
+          <a:fillRef idx="0">
+            <a:schemeClr val="accent1"/>
+          </a:fillRef>
+          <a:effectRef idx="0">
+            <a:schemeClr val="accent1"/>
+          </a:effectRef>
+          <a:fontRef idx="minor">
+            <a:schemeClr val="tx1"/>
+          </a:fontRef>
+        </p:style>
+      </p:cxnSp>
+      <p:sp>
+        <p:nvSpPr>
+          <p:cNvPr id="44" name="Rectangle 43"/>
+          <p:cNvSpPr/>
+          <p:nvPr/>
+        </p:nvSpPr>
+        <p:spPr>
+          <a:xfrm>
+            <a:off x="8567363" y="2075290"/>
+            <a:ext cx="2580366" cy="3275938"/>
+          </a:xfrm>
+          <a:prstGeom prst="rect">
+            <a:avLst/>
+          </a:prstGeom>
+          <a:noFill/>
+        </p:spPr>
+        <p:style>
+          <a:lnRef idx="2">
+            <a:schemeClr val="accent1">
+              <a:shade val="50000"/>
+            </a:schemeClr>
+          </a:lnRef>
+          <a:fillRef idx="1">
+            <a:schemeClr val="accent1"/>
+          </a:fillRef>
+          <a:effectRef idx="0">
+            <a:schemeClr val="accent1"/>
+          </a:effectRef>
+          <a:fontRef idx="minor">
+            <a:schemeClr val="lt1"/>
+          </a:fontRef>
+        </p:style>
+        <p:txBody>
+          <a:bodyPr rtlCol="0" anchor="ctr"/>
+          <a:lstStyle/>
+          <a:p>
+            <a:pPr algn="ctr"/>
+            <a:endParaRPr lang="en-GB"/>
+          </a:p>
+        </p:txBody>
+      </p:sp>
+      <p:sp>
+        <p:nvSpPr>
+          <p:cNvPr id="45" name="Rectangle 44"/>
+          <p:cNvSpPr/>
+          <p:nvPr/>
+        </p:nvSpPr>
+        <p:spPr>
+          <a:xfrm>
+            <a:off x="2297927" y="1979875"/>
+            <a:ext cx="8992925" cy="3959749"/>
+          </a:xfrm>
+          <a:prstGeom prst="rect">
+            <a:avLst/>
+          </a:prstGeom>
+          <a:noFill/>
+        </p:spPr>
+        <p:style>
+          <a:lnRef idx="2">
+            <a:schemeClr val="accent1">
+              <a:shade val="50000"/>
+            </a:schemeClr>
+          </a:lnRef>
+          <a:fillRef idx="1">
+            <a:schemeClr val="accent1"/>
+          </a:fillRef>
+          <a:effectRef idx="0">
+            <a:schemeClr val="accent1"/>
+          </a:effectRef>
+          <a:fontRef idx="minor">
+            <a:schemeClr val="lt1"/>
+          </a:fontRef>
+        </p:style>
+        <p:txBody>
+          <a:bodyPr rtlCol="0" anchor="ctr"/>
+          <a:lstStyle/>
+          <a:p>
+            <a:pPr algn="ctr"/>
+            <a:endParaRPr lang="en-GB"/>
+          </a:p>
+        </p:txBody>
+      </p:sp>
+      <p:sp>
+        <p:nvSpPr>
+          <p:cNvPr id="48" name="Rectangle 47"/>
+          <p:cNvSpPr/>
+          <p:nvPr/>
+        </p:nvSpPr>
+        <p:spPr>
+          <a:xfrm>
+            <a:off x="265790" y="3466270"/>
+            <a:ext cx="1796995" cy="914400"/>
+          </a:xfrm>
+          <a:prstGeom prst="rect">
+            <a:avLst/>
+          </a:prstGeom>
+        </p:spPr>
+        <p:style>
+          <a:lnRef idx="2">
+            <a:schemeClr val="accent1">
+              <a:shade val="50000"/>
+            </a:schemeClr>
+          </a:lnRef>
+          <a:fillRef idx="1">
+            <a:schemeClr val="accent1"/>
+          </a:fillRef>
+          <a:effectRef idx="0">
+            <a:schemeClr val="accent1"/>
+          </a:effectRef>
+          <a:fontRef idx="minor">
+            <a:schemeClr val="lt1"/>
+          </a:fontRef>
+        </p:style>
+        <p:txBody>
+          <a:bodyPr rtlCol="0" anchor="ctr"/>
+          <a:lstStyle/>
+          <a:p>
+            <a:pPr algn="ctr"/>
+            <a:r>
+              <a:rPr lang="de-AT" dirty="0" smtClean="0"/>
+              <a:t>Client</a:t>
+            </a:r>
+            <a:endParaRPr lang="en-GB" dirty="0"/>
+          </a:p>
+        </p:txBody>
+      </p:sp>
+    </p:spTree>
+    <p:extLst>
+      <p:ext uri="{BB962C8B-B14F-4D97-AF65-F5344CB8AC3E}">
+        <p14:creationId xmlns:p14="http://schemas.microsoft.com/office/powerpoint/2010/main" val="913450204"/>
+      </p:ext>
+    </p:extLst>
+  </p:cSld>
+  <p:clrMapOvr>
+    <a:masterClrMapping/>
+  </p:clrMapOvr>
+</p:sld>
+</file>
+
+<file path=ppt/slides/slide14.xml><?xml version="1.0" encoding="utf-8"?>
+<p:sld xmlns:a="http://schemas.openxmlformats.org/drawingml/2006/main" xmlns:r="http://schemas.openxmlformats.org/officeDocument/2006/relationships" xmlns:p="http://schemas.openxmlformats.org/presentationml/2006/main">
+  <p:cSld>
+    <p:spTree>
+      <p:nvGrpSpPr>
+        <p:cNvPr id="1" name=""/>
+        <p:cNvGrpSpPr/>
+        <p:nvPr/>
+      </p:nvGrpSpPr>
+      <p:grpSpPr>
+        <a:xfrm>
+          <a:off x="0" y="0"/>
+          <a:ext cx="0" cy="0"/>
+          <a:chOff x="0" y="0"/>
+          <a:chExt cx="0" cy="0"/>
+        </a:xfrm>
+      </p:grpSpPr>
+      <p:sp>
+        <p:nvSpPr>
+          <p:cNvPr id="2" name="Title 1"/>
+          <p:cNvSpPr>
+            <a:spLocks noGrp="1"/>
+          </p:cNvSpPr>
+          <p:nvPr>
+            <p:ph type="title"/>
+          </p:nvPr>
+        </p:nvSpPr>
+        <p:spPr/>
+        <p:txBody>
+          <a:bodyPr/>
+          <a:lstStyle/>
+          <a:p>
+            <a:r>
+              <a:rPr lang="en-GB" dirty="0" smtClean="0"/>
+              <a:t>Micro service read, </a:t>
+            </a:r>
+            <a:r>
+              <a:rPr lang="de-AT" dirty="0" err="1" smtClean="0"/>
+              <a:t>render</a:t>
+            </a:r>
+            <a:r>
+              <a:rPr lang="de-AT" dirty="0" smtClean="0"/>
+              <a:t> </a:t>
+            </a:r>
+            <a:r>
+              <a:rPr lang="en-GB" dirty="0" smtClean="0"/>
+              <a:t>and </a:t>
+            </a:r>
+            <a:r>
+              <a:rPr lang="en-GB" dirty="0" smtClean="0"/>
+              <a:t>send answer</a:t>
+            </a:r>
+            <a:endParaRPr lang="en-GB" dirty="0"/>
+          </a:p>
+        </p:txBody>
+      </p:sp>
+      <p:sp>
+        <p:nvSpPr>
+          <p:cNvPr id="3" name="Content Placeholder 2"/>
+          <p:cNvSpPr>
+            <a:spLocks noGrp="1"/>
+          </p:cNvSpPr>
+          <p:nvPr>
+            <p:ph idx="1"/>
+          </p:nvPr>
+        </p:nvSpPr>
+        <p:spPr/>
+        <p:txBody>
+          <a:bodyPr/>
+          <a:lstStyle/>
+          <a:p>
+            <a:r>
+              <a:rPr lang="en-GB" dirty="0"/>
+              <a:t>python </a:t>
+            </a:r>
+            <a:r>
+              <a:rPr lang="en-GB" dirty="0" smtClean="0"/>
+              <a:t>3_syncfile.py </a:t>
+            </a:r>
+            <a:r>
+              <a:rPr lang="en-GB" dirty="0"/>
+              <a:t>hello world - </a:t>
+            </a:r>
+            <a:r>
+              <a:rPr lang="en-GB" dirty="0" smtClean="0"/>
+              <a:t>~60rps</a:t>
+            </a:r>
+            <a:endParaRPr lang="en-GB" dirty="0"/>
+          </a:p>
+          <a:p>
+            <a:endParaRPr lang="en-GB" dirty="0"/>
+          </a:p>
+          <a:p>
+            <a:r>
+              <a:rPr lang="en-GB" dirty="0"/>
+              <a:t>python </a:t>
+            </a:r>
+            <a:r>
+              <a:rPr lang="en-GB" dirty="0" smtClean="0"/>
+              <a:t>3_aiohttp_server.py hello world - </a:t>
+            </a:r>
+            <a:r>
+              <a:rPr lang="en-GB" dirty="0" smtClean="0"/>
+              <a:t>~250rps</a:t>
+            </a:r>
+            <a:endParaRPr lang="en-GB" dirty="0"/>
+          </a:p>
+          <a:p>
+            <a:pPr marL="0" indent="0">
+              <a:buNone/>
+            </a:pPr>
+            <a:endParaRPr lang="en-GB" dirty="0"/>
+          </a:p>
+          <a:p>
+            <a:r>
+              <a:rPr lang="en-GB" dirty="0" smtClean="0"/>
+              <a:t>python 3_curio_server.py </a:t>
+            </a:r>
+            <a:r>
+              <a:rPr lang="en-GB" dirty="0"/>
+              <a:t>hello world </a:t>
+            </a:r>
+            <a:r>
+              <a:rPr lang="en-GB"/>
+              <a:t>- </a:t>
+            </a:r>
+            <a:r>
+              <a:rPr lang="en-GB" smtClean="0"/>
+              <a:t>~270rps</a:t>
+            </a:r>
+            <a:endParaRPr lang="en-GB" dirty="0"/>
+          </a:p>
+          <a:p>
+            <a:pPr marL="0" indent="0">
+              <a:buNone/>
+            </a:pPr>
+            <a:endParaRPr lang="en-GB" dirty="0" smtClean="0"/>
+          </a:p>
+          <a:p>
+            <a:endParaRPr lang="en-GB" dirty="0"/>
+          </a:p>
+        </p:txBody>
+      </p:sp>
+    </p:spTree>
+    <p:extLst>
+      <p:ext uri="{BB962C8B-B14F-4D97-AF65-F5344CB8AC3E}">
+        <p14:creationId xmlns:p14="http://schemas.microsoft.com/office/powerpoint/2010/main" val="2412529721"/>
       </p:ext>
     </p:extLst>
   </p:cSld>

--- a/curio_async/docs/Asyncio_in_alternative_reality.pptx
+++ b/curio_async/docs/Asyncio_in_alternative_reality.pptx
@@ -5,20 +5,23 @@
     <p:sldMasterId id="2147483648" r:id="rId1"/>
   </p:sldMasterIdLst>
   <p:sldIdLst>
-    <p:sldId id="256" r:id="rId2"/>
-    <p:sldId id="257" r:id="rId3"/>
-    <p:sldId id="259" r:id="rId4"/>
-    <p:sldId id="260" r:id="rId5"/>
-    <p:sldId id="258" r:id="rId6"/>
-    <p:sldId id="261" r:id="rId7"/>
-    <p:sldId id="262" r:id="rId8"/>
-    <p:sldId id="263" r:id="rId9"/>
-    <p:sldId id="264" r:id="rId10"/>
-    <p:sldId id="265" r:id="rId11"/>
-    <p:sldId id="266" r:id="rId12"/>
-    <p:sldId id="267" r:id="rId13"/>
-    <p:sldId id="268" r:id="rId14"/>
-    <p:sldId id="269" r:id="rId15"/>
+    <p:sldId id="271" r:id="rId2"/>
+    <p:sldId id="272" r:id="rId3"/>
+    <p:sldId id="257" r:id="rId4"/>
+    <p:sldId id="259" r:id="rId5"/>
+    <p:sldId id="260" r:id="rId6"/>
+    <p:sldId id="258" r:id="rId7"/>
+    <p:sldId id="261" r:id="rId8"/>
+    <p:sldId id="262" r:id="rId9"/>
+    <p:sldId id="263" r:id="rId10"/>
+    <p:sldId id="264" r:id="rId11"/>
+    <p:sldId id="265" r:id="rId12"/>
+    <p:sldId id="266" r:id="rId13"/>
+    <p:sldId id="267" r:id="rId14"/>
+    <p:sldId id="268" r:id="rId15"/>
+    <p:sldId id="269" r:id="rId16"/>
+    <p:sldId id="270" r:id="rId17"/>
+    <p:sldId id="256" r:id="rId18"/>
   </p:sldIdLst>
   <p:sldSz cx="12192000" cy="6858000"/>
   <p:notesSz cx="6858000" cy="9144000"/>
@@ -2968,6 +2971,20 @@
 <file path=ppt/slides/slide1.xml><?xml version="1.0" encoding="utf-8"?>
 <p:sld xmlns:a="http://schemas.openxmlformats.org/drawingml/2006/main" xmlns:r="http://schemas.openxmlformats.org/officeDocument/2006/relationships" xmlns:p="http://schemas.openxmlformats.org/presentationml/2006/main">
   <p:cSld>
+    <p:bg>
+      <p:bgPr>
+        <a:blipFill dpi="0" rotWithShape="1">
+          <a:blip r:embed="rId2">
+            <a:lum/>
+          </a:blip>
+          <a:srcRect/>
+          <a:stretch>
+            <a:fillRect/>
+          </a:stretch>
+        </a:blipFill>
+        <a:effectLst/>
+      </p:bgPr>
+    </p:bg>
     <p:spTree>
       <p:nvGrpSpPr>
         <p:cNvPr id="1" name=""/>
@@ -2984,143 +3001,52 @@
       </p:grpSpPr>
       <p:sp>
         <p:nvSpPr>
-          <p:cNvPr id="2" name="Title 1"/>
-          <p:cNvSpPr>
-            <a:spLocks noGrp="1"/>
-          </p:cNvSpPr>
-          <p:nvPr>
-            <p:ph type="ctrTitle"/>
+          <p:cNvPr id="3" name="Content Placeholder 2"/>
+          <p:cNvSpPr>
+            <a:spLocks noGrp="1"/>
+          </p:cNvSpPr>
+          <p:nvPr>
+            <p:ph idx="1"/>
           </p:nvPr>
         </p:nvSpPr>
         <p:spPr>
           <a:xfrm>
-            <a:off x="1524000" y="1122363"/>
-            <a:ext cx="7293429" cy="2387600"/>
+            <a:off x="2822448" y="6187313"/>
+            <a:ext cx="11167872" cy="4351338"/>
           </a:xfrm>
         </p:spPr>
         <p:txBody>
-          <a:bodyPr>
-            <a:normAutofit fontScale="90000"/>
-          </a:bodyPr>
-          <a:lstStyle/>
-          <a:p>
-            <a:r>
-              <a:rPr lang="ru-RU" dirty="0" smtClean="0"/>
-              <a:t>Приключения </a:t>
-            </a:r>
-            <a:r>
-              <a:rPr lang="ru-RU" dirty="0" err="1" smtClean="0"/>
-              <a:t>Asyncio</a:t>
-            </a:r>
-            <a:r>
-              <a:rPr lang="ru-RU" dirty="0" smtClean="0"/>
-              <a:t> в альтернативной реальности.</a:t>
-            </a:r>
-            <a:endParaRPr lang="en-GB" dirty="0"/>
-          </a:p>
-        </p:txBody>
-      </p:sp>
-      <p:sp>
-        <p:nvSpPr>
-          <p:cNvPr id="3" name="Subtitle 2"/>
-          <p:cNvSpPr>
-            <a:spLocks noGrp="1"/>
-          </p:cNvSpPr>
-          <p:nvPr>
-            <p:ph type="subTitle" idx="1"/>
-          </p:nvPr>
-        </p:nvSpPr>
-        <p:spPr>
-          <a:xfrm>
-            <a:off x="1390649" y="4325938"/>
-            <a:ext cx="9144000" cy="1655762"/>
-          </a:xfrm>
-        </p:spPr>
-        <p:txBody>
-          <a:bodyPr>
-            <a:normAutofit lnSpcReduction="10000"/>
-          </a:bodyPr>
-          <a:lstStyle/>
-          <a:p>
-            <a:r>
-              <a:rPr lang="de-AT" dirty="0" err="1" smtClean="0"/>
-              <a:t>Acyncio</a:t>
-            </a:r>
-            <a:r>
-              <a:rPr lang="de-AT" dirty="0" smtClean="0"/>
-              <a:t> </a:t>
-            </a:r>
-            <a:r>
-              <a:rPr lang="en-GB" dirty="0" smtClean="0"/>
-              <a:t>Curio Trio &amp;Friends</a:t>
-            </a:r>
-          </a:p>
-          <a:p>
-            <a:endParaRPr lang="de-AT" dirty="0" smtClean="0"/>
-          </a:p>
-          <a:p>
-            <a:r>
-              <a:rPr lang="ru-RU" dirty="0" err="1" smtClean="0"/>
-              <a:t>Репозиторий</a:t>
-            </a:r>
-            <a:endParaRPr lang="de-AT" dirty="0"/>
-          </a:p>
-          <a:p>
-            <a:r>
-              <a:rPr lang="en-GB" dirty="0" smtClean="0"/>
-              <a:t>https://bitbucket.org/danilovmy/europython2023/src/master/curio/</a:t>
-            </a:r>
-            <a:endParaRPr lang="en-GB" dirty="0"/>
-          </a:p>
-        </p:txBody>
-      </p:sp>
-      <p:pic>
-        <p:nvPicPr>
-          <p:cNvPr id="4" name="Picture 3"/>
-          <p:cNvPicPr>
-            <a:picLocks noChangeAspect="1"/>
-          </p:cNvPicPr>
-          <p:nvPr/>
-        </p:nvPicPr>
-        <p:blipFill>
-          <a:blip r:embed="rId2" cstate="print">
-            <a:extLst>
-              <a:ext uri="{28A0092B-C50C-407E-A947-70E740481C1C}">
-                <a14:useLocalDpi xmlns:a14="http://schemas.microsoft.com/office/drawing/2010/main" val="0"/>
-              </a:ext>
-            </a:extLst>
-          </a:blip>
-          <a:stretch>
-            <a:fillRect/>
-          </a:stretch>
-        </p:blipFill>
-        <p:spPr>
-          <a:xfrm>
-            <a:off x="8817429" y="756558"/>
-            <a:ext cx="2998397" cy="2998397"/>
-          </a:xfrm>
-          <a:prstGeom prst="rect">
-            <a:avLst/>
-          </a:prstGeom>
-        </p:spPr>
-      </p:pic>
+          <a:bodyPr/>
+          <a:lstStyle/>
+          <a:p>
+            <a:pPr marL="0" indent="0">
+              <a:buNone/>
+            </a:pPr>
+            <a:r>
+              <a:rPr lang="en-GB" sz="2000" dirty="0" smtClean="0"/>
+              <a:t>Repository https</a:t>
+            </a:r>
+            <a:r>
+              <a:rPr lang="en-GB" sz="2000" dirty="0"/>
+              <a:t>://bitbucket.org/danilovmy/europython2023/src/master/curio_async</a:t>
+            </a:r>
+            <a:r>
+              <a:rPr lang="en-GB" dirty="0"/>
+              <a:t>/</a:t>
+            </a:r>
+          </a:p>
+        </p:txBody>
+      </p:sp>
     </p:spTree>
     <p:extLst>
       <p:ext uri="{BB962C8B-B14F-4D97-AF65-F5344CB8AC3E}">
-        <p14:creationId xmlns:p14="http://schemas.microsoft.com/office/powerpoint/2010/main" val="3827694188"/>
+        <p14:creationId xmlns:p14="http://schemas.microsoft.com/office/powerpoint/2010/main" val="1742867099"/>
       </p:ext>
     </p:extLst>
   </p:cSld>
   <p:clrMapOvr>
     <a:masterClrMapping/>
   </p:clrMapOvr>
-  <p:timing>
-    <p:tnLst>
-      <p:par>
-        <p:cTn id="1" dur="indefinite" restart="never" nodeType="tmRoot"/>
-      </p:par>
-    </p:tnLst>
-  </p:timing>
 </p:sld>
 </file>
 
@@ -3157,89 +3083,60 @@
           <a:lstStyle/>
           <a:p>
             <a:r>
+              <a:rPr lang="ru-RU" dirty="0" smtClean="0"/>
+              <a:t>База:	</a:t>
+            </a:r>
+            <a:endParaRPr lang="en-GB" dirty="0"/>
+          </a:p>
+        </p:txBody>
+      </p:sp>
+      <p:sp>
+        <p:nvSpPr>
+          <p:cNvPr id="3" name="Content Placeholder 2"/>
+          <p:cNvSpPr>
+            <a:spLocks noGrp="1"/>
+          </p:cNvSpPr>
+          <p:nvPr>
+            <p:ph idx="1"/>
+          </p:nvPr>
+        </p:nvSpPr>
+        <p:spPr/>
+        <p:txBody>
+          <a:bodyPr/>
+          <a:lstStyle/>
+          <a:p>
+            <a:endParaRPr lang="ru-RU" dirty="0" smtClean="0"/>
+          </a:p>
+          <a:p>
+            <a:r>
+              <a:rPr lang="en-GB" dirty="0"/>
+              <a:t>python 1_async.py sleep3 sec - </a:t>
+            </a:r>
+            <a:r>
               <a:rPr lang="en-GB" dirty="0" smtClean="0"/>
-              <a:t>File Read</a:t>
-            </a:r>
+              <a:t>1.0129</a:t>
+            </a:r>
+          </a:p>
+          <a:p>
             <a:endParaRPr lang="en-GB" dirty="0"/>
           </a:p>
-        </p:txBody>
-      </p:sp>
-      <p:sp>
-        <p:nvSpPr>
-          <p:cNvPr id="3" name="Content Placeholder 2"/>
-          <p:cNvSpPr>
-            <a:spLocks noGrp="1"/>
-          </p:cNvSpPr>
-          <p:nvPr>
-            <p:ph idx="1"/>
-          </p:nvPr>
-        </p:nvSpPr>
-        <p:spPr/>
-        <p:txBody>
-          <a:bodyPr/>
-          <a:lstStyle/>
-          <a:p>
+          <a:p>
+            <a:r>
+              <a:rPr lang="en-GB" u="sng" dirty="0"/>
+              <a:t>python 1_curi.py sleep3 sec - 1.0115</a:t>
+            </a:r>
+          </a:p>
+          <a:p>
+            <a:endParaRPr lang="en-GB" dirty="0" smtClean="0"/>
+          </a:p>
+          <a:p>
+            <a:r>
+              <a:rPr lang="en-GB" dirty="0" smtClean="0"/>
+              <a:t>python </a:t>
+            </a:r>
             <a:r>
               <a:rPr lang="en-GB" dirty="0"/>
-              <a:t>python 2_syncfile.py read </a:t>
-            </a:r>
-            <a:r>
-              <a:rPr lang="en-GB" dirty="0" smtClean="0"/>
-              <a:t>4 files  </a:t>
-            </a:r>
-            <a:r>
-              <a:rPr lang="en-GB" dirty="0"/>
-              <a:t>- </a:t>
-            </a:r>
-            <a:r>
-              <a:rPr lang="en-GB" dirty="0" smtClean="0"/>
-              <a:t>0.21</a:t>
-            </a:r>
-          </a:p>
-          <a:p>
-            <a:pPr marL="0" indent="0">
-              <a:buNone/>
-            </a:pPr>
-            <a:endParaRPr lang="en-GB" dirty="0"/>
-          </a:p>
-          <a:p>
-            <a:r>
-              <a:rPr lang="en-GB" dirty="0"/>
-              <a:t>python 2_aiofile.py read </a:t>
-            </a:r>
-            <a:r>
-              <a:rPr lang="en-GB" dirty="0" smtClean="0"/>
-              <a:t>4 files </a:t>
-            </a:r>
-            <a:r>
-              <a:rPr lang="en-GB" dirty="0"/>
-              <a:t>- </a:t>
-            </a:r>
-            <a:r>
-              <a:rPr lang="en-GB" dirty="0" smtClean="0"/>
-              <a:t>0.27 + threads</a:t>
-            </a:r>
-            <a:endParaRPr lang="en-GB" dirty="0"/>
-          </a:p>
-          <a:p>
-            <a:endParaRPr lang="en-GB" dirty="0" smtClean="0"/>
-          </a:p>
-          <a:p>
-            <a:r>
-              <a:rPr lang="en-GB" u="sng" dirty="0" smtClean="0"/>
-              <a:t>python </a:t>
-            </a:r>
-            <a:r>
-              <a:rPr lang="en-GB" u="sng" dirty="0"/>
-              <a:t>2_curiofile.py curio read </a:t>
-            </a:r>
-            <a:r>
-              <a:rPr lang="en-GB" u="sng" dirty="0" smtClean="0"/>
-              <a:t>4 files </a:t>
-            </a:r>
-            <a:r>
-              <a:rPr lang="en-GB" u="sng" dirty="0"/>
-              <a:t>- 0.16</a:t>
+              <a:t>1_tri.py sleep3 sec  1.0507</a:t>
             </a:r>
           </a:p>
         </p:txBody>
@@ -3247,7 +3144,7 @@
     </p:spTree>
     <p:extLst>
       <p:ext uri="{BB962C8B-B14F-4D97-AF65-F5344CB8AC3E}">
-        <p14:creationId xmlns:p14="http://schemas.microsoft.com/office/powerpoint/2010/main" val="4196596636"/>
+        <p14:creationId xmlns:p14="http://schemas.microsoft.com/office/powerpoint/2010/main" val="2714203477"/>
       </p:ext>
     </p:extLst>
   </p:cSld>
@@ -3298,93 +3195,96 @@
           <a:p>
             <a:r>
               <a:rPr lang="en-GB" dirty="0" smtClean="0"/>
-              <a:t>TCP </a:t>
-            </a:r>
+              <a:t>File Read</a:t>
+            </a:r>
+            <a:endParaRPr lang="en-GB" dirty="0"/>
+          </a:p>
+        </p:txBody>
+      </p:sp>
+      <p:sp>
+        <p:nvSpPr>
+          <p:cNvPr id="3" name="Content Placeholder 2"/>
+          <p:cNvSpPr>
+            <a:spLocks noGrp="1"/>
+          </p:cNvSpPr>
+          <p:nvPr>
+            <p:ph idx="1"/>
+          </p:nvPr>
+        </p:nvSpPr>
+        <p:spPr/>
+        <p:txBody>
+          <a:bodyPr/>
+          <a:lstStyle/>
+          <a:p>
             <a:r>
               <a:rPr lang="en-GB" dirty="0"/>
-              <a:t>server </a:t>
+              <a:t>python 2_syncfile.py read </a:t>
             </a:r>
             <a:r>
               <a:rPr lang="en-GB" dirty="0" smtClean="0"/>
-              <a:t>get request and send response</a:t>
-            </a:r>
+              <a:t>4 files  </a:t>
+            </a:r>
+            <a:r>
+              <a:rPr lang="en-GB" dirty="0"/>
+              <a:t>- </a:t>
+            </a:r>
+            <a:r>
+              <a:rPr lang="en-GB" dirty="0" smtClean="0"/>
+              <a:t>0.21</a:t>
+            </a:r>
+          </a:p>
+          <a:p>
+            <a:pPr marL="0" indent="0">
+              <a:buNone/>
+            </a:pPr>
             <a:endParaRPr lang="en-GB" dirty="0"/>
           </a:p>
-        </p:txBody>
-      </p:sp>
-      <p:sp>
-        <p:nvSpPr>
-          <p:cNvPr id="3" name="Content Placeholder 2"/>
-          <p:cNvSpPr>
-            <a:spLocks noGrp="1"/>
-          </p:cNvSpPr>
-          <p:nvPr>
-            <p:ph idx="1"/>
-          </p:nvPr>
-        </p:nvSpPr>
-        <p:spPr/>
-        <p:txBody>
-          <a:bodyPr/>
-          <a:lstStyle/>
           <a:p>
             <a:r>
               <a:rPr lang="en-GB" dirty="0"/>
+              <a:t>python 2_aiofile.py read </a:t>
+            </a:r>
+            <a:r>
+              <a:rPr lang="en-GB" dirty="0" smtClean="0"/>
+              <a:t>4 files </a:t>
+            </a:r>
+            <a:r>
+              <a:rPr lang="en-GB" dirty="0"/>
+              <a:t>- </a:t>
+            </a:r>
+            <a:r>
+              <a:rPr lang="en-GB" dirty="0" smtClean="0"/>
+              <a:t>0.27 + threads</a:t>
+            </a:r>
+            <a:endParaRPr lang="en-GB" dirty="0"/>
+          </a:p>
+          <a:p>
+            <a:endParaRPr lang="en-GB" dirty="0" smtClean="0"/>
+          </a:p>
+          <a:p>
+            <a:r>
+              <a:rPr lang="en-GB" u="sng" dirty="0" smtClean="0"/>
               <a:t>python </a:t>
             </a:r>
             <a:r>
-              <a:rPr lang="en-GB" dirty="0" smtClean="0"/>
-              <a:t>3_syncfile.py echo "hello world"</a:t>
-            </a:r>
-          </a:p>
-          <a:p>
-            <a:endParaRPr lang="en-GB" dirty="0"/>
-          </a:p>
-          <a:p>
-            <a:r>
-              <a:rPr lang="en-GB" dirty="0"/>
-              <a:t>python </a:t>
-            </a:r>
-            <a:r>
-              <a:rPr lang="en-GB" dirty="0" smtClean="0"/>
-              <a:t>3_aiohttp_server.py echo</a:t>
-            </a:r>
-            <a:r>
-              <a:rPr lang="en-GB" dirty="0"/>
-              <a:t> "hello world</a:t>
-            </a:r>
-            <a:r>
-              <a:rPr lang="en-GB" dirty="0" smtClean="0"/>
-              <a:t>"</a:t>
-            </a:r>
-          </a:p>
-          <a:p>
-            <a:endParaRPr lang="en-GB" dirty="0"/>
-          </a:p>
-          <a:p>
-            <a:r>
-              <a:rPr lang="en-GB" dirty="0" smtClean="0"/>
-              <a:t>python </a:t>
-            </a:r>
-            <a:r>
-              <a:rPr lang="en-GB" dirty="0"/>
-              <a:t>3_curio_server.py echo "hello world"</a:t>
-            </a:r>
-          </a:p>
-          <a:p>
-            <a:pPr marL="0" indent="0">
-              <a:buNone/>
-            </a:pPr>
-            <a:endParaRPr lang="en-GB" dirty="0" smtClean="0"/>
-          </a:p>
-          <a:p>
-            <a:endParaRPr lang="en-GB" dirty="0"/>
+              <a:rPr lang="en-GB" u="sng" dirty="0"/>
+              <a:t>2_curiofile.py curio read </a:t>
+            </a:r>
+            <a:r>
+              <a:rPr lang="en-GB" u="sng" dirty="0" smtClean="0"/>
+              <a:t>4 files </a:t>
+            </a:r>
+            <a:r>
+              <a:rPr lang="en-GB" u="sng" dirty="0"/>
+              <a:t>- 0.16</a:t>
+            </a:r>
           </a:p>
         </p:txBody>
       </p:sp>
     </p:spTree>
     <p:extLst>
       <p:ext uri="{BB962C8B-B14F-4D97-AF65-F5344CB8AC3E}">
-        <p14:creationId xmlns:p14="http://schemas.microsoft.com/office/powerpoint/2010/main" val="2420550870"/>
+        <p14:creationId xmlns:p14="http://schemas.microsoft.com/office/powerpoint/2010/main" val="4196596636"/>
       </p:ext>
     </p:extLst>
   </p:cSld>
@@ -3435,6 +3335,143 @@
           <a:p>
             <a:r>
               <a:rPr lang="en-GB" dirty="0" smtClean="0"/>
+              <a:t>TCP </a:t>
+            </a:r>
+            <a:r>
+              <a:rPr lang="en-GB" dirty="0"/>
+              <a:t>server </a:t>
+            </a:r>
+            <a:r>
+              <a:rPr lang="en-GB" dirty="0" smtClean="0"/>
+              <a:t>get request and send response</a:t>
+            </a:r>
+            <a:endParaRPr lang="en-GB" dirty="0"/>
+          </a:p>
+        </p:txBody>
+      </p:sp>
+      <p:sp>
+        <p:nvSpPr>
+          <p:cNvPr id="3" name="Content Placeholder 2"/>
+          <p:cNvSpPr>
+            <a:spLocks noGrp="1"/>
+          </p:cNvSpPr>
+          <p:nvPr>
+            <p:ph idx="1"/>
+          </p:nvPr>
+        </p:nvSpPr>
+        <p:spPr/>
+        <p:txBody>
+          <a:bodyPr/>
+          <a:lstStyle/>
+          <a:p>
+            <a:r>
+              <a:rPr lang="en-GB" dirty="0"/>
+              <a:t>python </a:t>
+            </a:r>
+            <a:r>
+              <a:rPr lang="en-GB" dirty="0" smtClean="0"/>
+              <a:t>3_syncfile.py echo "hello world"</a:t>
+            </a:r>
+          </a:p>
+          <a:p>
+            <a:endParaRPr lang="en-GB" dirty="0"/>
+          </a:p>
+          <a:p>
+            <a:r>
+              <a:rPr lang="en-GB" dirty="0"/>
+              <a:t>python </a:t>
+            </a:r>
+            <a:r>
+              <a:rPr lang="en-GB" dirty="0" smtClean="0"/>
+              <a:t>3_aiohttp_server.py echo</a:t>
+            </a:r>
+            <a:r>
+              <a:rPr lang="en-GB" dirty="0"/>
+              <a:t> "hello world</a:t>
+            </a:r>
+            <a:r>
+              <a:rPr lang="en-GB" dirty="0" smtClean="0"/>
+              <a:t>"</a:t>
+            </a:r>
+          </a:p>
+          <a:p>
+            <a:endParaRPr lang="en-GB" dirty="0"/>
+          </a:p>
+          <a:p>
+            <a:r>
+              <a:rPr lang="en-GB" dirty="0" smtClean="0"/>
+              <a:t>python </a:t>
+            </a:r>
+            <a:r>
+              <a:rPr lang="en-GB" dirty="0"/>
+              <a:t>3_curio_server.py echo "hello world"</a:t>
+            </a:r>
+          </a:p>
+          <a:p>
+            <a:pPr marL="0" indent="0">
+              <a:buNone/>
+            </a:pPr>
+            <a:endParaRPr lang="en-GB" dirty="0" smtClean="0"/>
+          </a:p>
+          <a:p>
+            <a:endParaRPr lang="en-GB" dirty="0"/>
+          </a:p>
+        </p:txBody>
+      </p:sp>
+    </p:spTree>
+    <p:extLst>
+      <p:ext uri="{BB962C8B-B14F-4D97-AF65-F5344CB8AC3E}">
+        <p14:creationId xmlns:p14="http://schemas.microsoft.com/office/powerpoint/2010/main" val="2420550870"/>
+      </p:ext>
+    </p:extLst>
+  </p:cSld>
+  <p:clrMapOvr>
+    <a:masterClrMapping/>
+  </p:clrMapOvr>
+  <p:timing>
+    <p:tnLst>
+      <p:par>
+        <p:cTn id="1" dur="indefinite" restart="never" nodeType="tmRoot"/>
+      </p:par>
+    </p:tnLst>
+  </p:timing>
+</p:sld>
+</file>
+
+<file path=ppt/slides/slide13.xml><?xml version="1.0" encoding="utf-8"?>
+<p:sld xmlns:a="http://schemas.openxmlformats.org/drawingml/2006/main" xmlns:r="http://schemas.openxmlformats.org/officeDocument/2006/relationships" xmlns:p="http://schemas.openxmlformats.org/presentationml/2006/main">
+  <p:cSld>
+    <p:spTree>
+      <p:nvGrpSpPr>
+        <p:cNvPr id="1" name=""/>
+        <p:cNvGrpSpPr/>
+        <p:nvPr/>
+      </p:nvGrpSpPr>
+      <p:grpSpPr>
+        <a:xfrm>
+          <a:off x="0" y="0"/>
+          <a:ext cx="0" cy="0"/>
+          <a:chOff x="0" y="0"/>
+          <a:chExt cx="0" cy="0"/>
+        </a:xfrm>
+      </p:grpSpPr>
+      <p:sp>
+        <p:nvSpPr>
+          <p:cNvPr id="2" name="Title 1"/>
+          <p:cNvSpPr>
+            <a:spLocks noGrp="1"/>
+          </p:cNvSpPr>
+          <p:nvPr>
+            <p:ph type="title"/>
+          </p:nvPr>
+        </p:nvSpPr>
+        <p:spPr/>
+        <p:txBody>
+          <a:bodyPr/>
+          <a:lstStyle/>
+          <a:p>
+            <a:r>
+              <a:rPr lang="en-GB" dirty="0" smtClean="0"/>
               <a:t>TCP server read and send answer</a:t>
             </a:r>
             <a:endParaRPr lang="en-GB" dirty="0"/>
@@ -3540,7 +3577,7 @@
 </p:sld>
 </file>
 
-<file path=ppt/slides/slide13.xml><?xml version="1.0" encoding="utf-8"?>
+<file path=ppt/slides/slide14.xml><?xml version="1.0" encoding="utf-8"?>
 <p:sld xmlns:a="http://schemas.openxmlformats.org/drawingml/2006/main" xmlns:r="http://schemas.openxmlformats.org/officeDocument/2006/relationships" xmlns:p="http://schemas.openxmlformats.org/presentationml/2006/main">
   <p:cSld>
     <p:spTree>
@@ -4300,7 +4337,7 @@
 </p:sld>
 </file>
 
-<file path=ppt/slides/slide14.xml><?xml version="1.0" encoding="utf-8"?>
+<file path=ppt/slides/slide15.xml><?xml version="1.0" encoding="utf-8"?>
 <p:sld xmlns:a="http://schemas.openxmlformats.org/drawingml/2006/main" xmlns:r="http://schemas.openxmlformats.org/officeDocument/2006/relationships" xmlns:p="http://schemas.openxmlformats.org/presentationml/2006/main">
   <p:cSld>
     <p:spTree>
@@ -4346,11 +4383,7 @@
             </a:r>
             <a:r>
               <a:rPr lang="en-GB" dirty="0" smtClean="0"/>
-              <a:t>and </a:t>
-            </a:r>
-            <a:r>
-              <a:rPr lang="en-GB" dirty="0" smtClean="0"/>
-              <a:t>send answer</a:t>
+              <a:t>and send answer</a:t>
             </a:r>
             <a:endParaRPr lang="en-GB" dirty="0"/>
           </a:p>
@@ -4377,7 +4410,11 @@
             </a:r>
             <a:r>
               <a:rPr lang="en-GB" dirty="0" smtClean="0"/>
-              <a:t>3_syncfile.py </a:t>
+              <a:t>4</a:t>
+            </a:r>
+            <a:r>
+              <a:rPr lang="en-GB" dirty="0" smtClean="0"/>
+              <a:t>_compile_sync.py </a:t>
             </a:r>
             <a:r>
               <a:rPr lang="en-GB" dirty="0"/>
@@ -4399,11 +4436,15 @@
             </a:r>
             <a:r>
               <a:rPr lang="en-GB" dirty="0" smtClean="0"/>
-              <a:t>3_aiohttp_server.py hello world - </a:t>
+              <a:t>4</a:t>
             </a:r>
             <a:r>
               <a:rPr lang="en-GB" dirty="0" smtClean="0"/>
-              <a:t>~250rps</a:t>
+              <a:t>_compile_aio.py </a:t>
+            </a:r>
+            <a:r>
+              <a:rPr lang="en-GB" dirty="0" smtClean="0"/>
+              <a:t>hello world - ~250rps</a:t>
             </a:r>
             <a:endParaRPr lang="en-GB" dirty="0"/>
           </a:p>
@@ -4416,18 +4457,18 @@
           <a:p>
             <a:r>
               <a:rPr lang="en-GB" dirty="0" smtClean="0"/>
-              <a:t>python 3_curio_server.py </a:t>
+              <a:t>python </a:t>
+            </a:r>
+            <a:r>
+              <a:rPr lang="en-GB" dirty="0" smtClean="0"/>
+              <a:t>4_compile_curio.py </a:t>
             </a:r>
             <a:r>
               <a:rPr lang="en-GB" dirty="0"/>
-              <a:t>hello world </a:t>
-            </a:r>
-            <a:r>
-              <a:rPr lang="en-GB"/>
-              <a:t>- </a:t>
-            </a:r>
-            <a:r>
-              <a:rPr lang="en-GB" smtClean="0"/>
+              <a:t>hello world - </a:t>
+            </a:r>
+            <a:r>
+              <a:rPr lang="en-GB" dirty="0" smtClean="0"/>
               <a:t>~270rps</a:t>
             </a:r>
             <a:endParaRPr lang="en-GB" dirty="0"/>
@@ -4447,6 +4488,278 @@
     <p:extLst>
       <p:ext uri="{BB962C8B-B14F-4D97-AF65-F5344CB8AC3E}">
         <p14:creationId xmlns:p14="http://schemas.microsoft.com/office/powerpoint/2010/main" val="2412529721"/>
+      </p:ext>
+    </p:extLst>
+  </p:cSld>
+  <p:clrMapOvr>
+    <a:masterClrMapping/>
+  </p:clrMapOvr>
+  <p:timing>
+    <p:tnLst>
+      <p:par>
+        <p:cTn id="1" dur="indefinite" restart="never" nodeType="tmRoot"/>
+      </p:par>
+    </p:tnLst>
+  </p:timing>
+</p:sld>
+</file>
+
+<file path=ppt/slides/slide16.xml><?xml version="1.0" encoding="utf-8"?>
+<p:sld xmlns:a="http://schemas.openxmlformats.org/drawingml/2006/main" xmlns:r="http://schemas.openxmlformats.org/officeDocument/2006/relationships" xmlns:p="http://schemas.openxmlformats.org/presentationml/2006/main">
+  <p:cSld>
+    <p:spTree>
+      <p:nvGrpSpPr>
+        <p:cNvPr id="1" name=""/>
+        <p:cNvGrpSpPr/>
+        <p:nvPr/>
+      </p:nvGrpSpPr>
+      <p:grpSpPr>
+        <a:xfrm>
+          <a:off x="0" y="0"/>
+          <a:ext cx="0" cy="0"/>
+          <a:chOff x="0" y="0"/>
+          <a:chExt cx="0" cy="0"/>
+        </a:xfrm>
+      </p:grpSpPr>
+      <p:sp>
+        <p:nvSpPr>
+          <p:cNvPr id="2" name="Title 1"/>
+          <p:cNvSpPr>
+            <a:spLocks noGrp="1"/>
+          </p:cNvSpPr>
+          <p:nvPr>
+            <p:ph type="title"/>
+          </p:nvPr>
+        </p:nvSpPr>
+        <p:spPr/>
+        <p:txBody>
+          <a:bodyPr/>
+          <a:lstStyle/>
+          <a:p>
+            <a:r>
+              <a:rPr lang="en-GB" dirty="0" smtClean="0"/>
+              <a:t>Micro service read, </a:t>
+            </a:r>
+            <a:r>
+              <a:rPr lang="de-AT" dirty="0" err="1" smtClean="0"/>
+              <a:t>render</a:t>
+            </a:r>
+            <a:r>
+              <a:rPr lang="de-AT" dirty="0" smtClean="0"/>
+              <a:t> </a:t>
+            </a:r>
+            <a:r>
+              <a:rPr lang="en-GB" dirty="0" smtClean="0"/>
+              <a:t>and send answer</a:t>
+            </a:r>
+            <a:endParaRPr lang="en-GB" dirty="0"/>
+          </a:p>
+        </p:txBody>
+      </p:sp>
+      <p:sp>
+        <p:nvSpPr>
+          <p:cNvPr id="3" name="Content Placeholder 2"/>
+          <p:cNvSpPr>
+            <a:spLocks noGrp="1"/>
+          </p:cNvSpPr>
+          <p:nvPr>
+            <p:ph idx="1"/>
+          </p:nvPr>
+        </p:nvSpPr>
+        <p:spPr/>
+        <p:txBody>
+          <a:bodyPr/>
+          <a:lstStyle/>
+          <a:p>
+            <a:r>
+              <a:rPr lang="en-GB" dirty="0"/>
+              <a:t>python </a:t>
+            </a:r>
+            <a:r>
+              <a:rPr lang="en-GB" dirty="0" smtClean="0"/>
+              <a:t>5_final.py - ~</a:t>
+            </a:r>
+            <a:r>
+              <a:rPr lang="en-GB" dirty="0" smtClean="0"/>
+              <a:t>300</a:t>
+            </a:r>
+            <a:r>
+              <a:rPr lang="en-GB" dirty="0" smtClean="0"/>
+              <a:t>rps</a:t>
+            </a:r>
+            <a:endParaRPr lang="en-GB" dirty="0"/>
+          </a:p>
+        </p:txBody>
+      </p:sp>
+    </p:spTree>
+    <p:extLst>
+      <p:ext uri="{BB962C8B-B14F-4D97-AF65-F5344CB8AC3E}">
+        <p14:creationId xmlns:p14="http://schemas.microsoft.com/office/powerpoint/2010/main" val="2703692301"/>
+      </p:ext>
+    </p:extLst>
+  </p:cSld>
+  <p:clrMapOvr>
+    <a:masterClrMapping/>
+  </p:clrMapOvr>
+  <p:timing>
+    <p:tnLst>
+      <p:par>
+        <p:cTn id="1" dur="indefinite" restart="never" nodeType="tmRoot"/>
+      </p:par>
+    </p:tnLst>
+  </p:timing>
+</p:sld>
+</file>
+
+<file path=ppt/slides/slide17.xml><?xml version="1.0" encoding="utf-8"?>
+<p:sld xmlns:a="http://schemas.openxmlformats.org/drawingml/2006/main" xmlns:r="http://schemas.openxmlformats.org/officeDocument/2006/relationships" xmlns:p="http://schemas.openxmlformats.org/presentationml/2006/main">
+  <p:cSld>
+    <p:spTree>
+      <p:nvGrpSpPr>
+        <p:cNvPr id="1" name=""/>
+        <p:cNvGrpSpPr/>
+        <p:nvPr/>
+      </p:nvGrpSpPr>
+      <p:grpSpPr>
+        <a:xfrm>
+          <a:off x="0" y="0"/>
+          <a:ext cx="0" cy="0"/>
+          <a:chOff x="0" y="0"/>
+          <a:chExt cx="0" cy="0"/>
+        </a:xfrm>
+      </p:grpSpPr>
+      <p:sp>
+        <p:nvSpPr>
+          <p:cNvPr id="2" name="Title 1"/>
+          <p:cNvSpPr>
+            <a:spLocks noGrp="1"/>
+          </p:cNvSpPr>
+          <p:nvPr>
+            <p:ph type="ctrTitle"/>
+          </p:nvPr>
+        </p:nvSpPr>
+        <p:spPr>
+          <a:xfrm>
+            <a:off x="1524000" y="1664207"/>
+            <a:ext cx="7293429" cy="1845755"/>
+          </a:xfrm>
+        </p:spPr>
+        <p:txBody>
+          <a:bodyPr>
+            <a:normAutofit/>
+          </a:bodyPr>
+          <a:lstStyle/>
+          <a:p>
+            <a:r>
+              <a:rPr lang="de-AT" dirty="0" err="1" smtClean="0"/>
+              <a:t>Curio</a:t>
+            </a:r>
+            <a:r>
+              <a:rPr lang="de-AT" dirty="0" smtClean="0"/>
+              <a:t> </a:t>
+            </a:r>
+            <a:r>
+              <a:rPr lang="ru-RU" dirty="0" smtClean="0"/>
+              <a:t>как альтернатива </a:t>
+            </a:r>
+            <a:r>
+              <a:rPr lang="ru-RU" dirty="0" err="1" smtClean="0"/>
+              <a:t>Asyncio</a:t>
+            </a:r>
+            <a:r>
+              <a:rPr lang="ru-RU" dirty="0" smtClean="0"/>
+              <a:t>.</a:t>
+            </a:r>
+            <a:endParaRPr lang="en-GB" dirty="0"/>
+          </a:p>
+        </p:txBody>
+      </p:sp>
+      <p:sp>
+        <p:nvSpPr>
+          <p:cNvPr id="3" name="Subtitle 2"/>
+          <p:cNvSpPr>
+            <a:spLocks noGrp="1"/>
+          </p:cNvSpPr>
+          <p:nvPr>
+            <p:ph type="subTitle" idx="1"/>
+          </p:nvPr>
+        </p:nvSpPr>
+        <p:spPr>
+          <a:xfrm>
+            <a:off x="1035177" y="4417378"/>
+            <a:ext cx="10121647" cy="1655762"/>
+          </a:xfrm>
+        </p:spPr>
+        <p:txBody>
+          <a:bodyPr>
+            <a:normAutofit/>
+          </a:bodyPr>
+          <a:lstStyle/>
+          <a:p>
+            <a:r>
+              <a:rPr lang="ru-RU" smtClean="0"/>
+              <a:t>Докладчик</a:t>
+            </a:r>
+            <a:r>
+              <a:rPr lang="ru-RU" smtClean="0"/>
+              <a:t> </a:t>
+            </a:r>
+            <a:r>
+              <a:rPr lang="ru-RU" dirty="0" smtClean="0"/>
+              <a:t>Максим Данилов.</a:t>
+            </a:r>
+            <a:endParaRPr lang="de-AT" dirty="0" smtClean="0"/>
+          </a:p>
+          <a:p>
+            <a:r>
+              <a:rPr lang="ru-RU" dirty="0" err="1" smtClean="0"/>
+              <a:t>Репозиторий</a:t>
+            </a:r>
+            <a:endParaRPr lang="de-AT" dirty="0"/>
+          </a:p>
+          <a:p>
+            <a:r>
+              <a:rPr lang="en-GB" dirty="0"/>
+              <a:t>https://bitbucket.org/danilovmy/europython2023/src/master/curio_async/</a:t>
+            </a:r>
+            <a:endParaRPr lang="en-GB" dirty="0"/>
+          </a:p>
+        </p:txBody>
+      </p:sp>
+      <p:pic>
+        <p:nvPicPr>
+          <p:cNvPr id="5" name="Picture 4"/>
+          <p:cNvPicPr>
+            <a:picLocks noChangeAspect="1"/>
+          </p:cNvPicPr>
+          <p:nvPr/>
+        </p:nvPicPr>
+        <p:blipFill>
+          <a:blip r:embed="rId2" cstate="print">
+            <a:extLst>
+              <a:ext uri="{28A0092B-C50C-407E-A947-70E740481C1C}">
+                <a14:useLocalDpi xmlns:a14="http://schemas.microsoft.com/office/drawing/2010/main" val="0"/>
+              </a:ext>
+            </a:extLst>
+          </a:blip>
+          <a:stretch>
+            <a:fillRect/>
+          </a:stretch>
+        </p:blipFill>
+        <p:spPr>
+          <a:xfrm>
+            <a:off x="8948928" y="1122363"/>
+            <a:ext cx="2889504" cy="2889504"/>
+          </a:xfrm>
+          <a:prstGeom prst="rect">
+            <a:avLst/>
+          </a:prstGeom>
+        </p:spPr>
+      </p:pic>
+    </p:spTree>
+    <p:extLst>
+      <p:ext uri="{BB962C8B-B14F-4D97-AF65-F5344CB8AC3E}">
+        <p14:creationId xmlns:p14="http://schemas.microsoft.com/office/powerpoint/2010/main" val="3827694188"/>
       </p:ext>
     </p:extLst>
   </p:cSld>
@@ -4482,6 +4795,113 @@
       </p:grpSpPr>
       <p:sp>
         <p:nvSpPr>
+          <p:cNvPr id="3" name="Subtitle 2"/>
+          <p:cNvSpPr>
+            <a:spLocks noGrp="1"/>
+          </p:cNvSpPr>
+          <p:nvPr>
+            <p:ph type="subTitle" idx="1"/>
+          </p:nvPr>
+        </p:nvSpPr>
+        <p:spPr>
+          <a:xfrm>
+            <a:off x="1254633" y="911353"/>
+            <a:ext cx="10121647" cy="1655762"/>
+          </a:xfrm>
+        </p:spPr>
+        <p:txBody>
+          <a:bodyPr>
+            <a:normAutofit/>
+          </a:bodyPr>
+          <a:lstStyle/>
+          <a:p>
+            <a:endParaRPr lang="de-AT" dirty="0" smtClean="0"/>
+          </a:p>
+          <a:p>
+            <a:r>
+              <a:rPr lang="ru-RU" dirty="0" err="1" smtClean="0"/>
+              <a:t>Репозиторий</a:t>
+            </a:r>
+            <a:endParaRPr lang="de-AT" dirty="0"/>
+          </a:p>
+          <a:p>
+            <a:r>
+              <a:rPr lang="en-GB" dirty="0"/>
+              <a:t>https://bitbucket.org/danilovmy/europython2023/src/master/curio_async/</a:t>
+            </a:r>
+            <a:endParaRPr lang="en-GB" dirty="0"/>
+          </a:p>
+        </p:txBody>
+      </p:sp>
+      <p:pic>
+        <p:nvPicPr>
+          <p:cNvPr id="5" name="Picture 4"/>
+          <p:cNvPicPr>
+            <a:picLocks noChangeAspect="1"/>
+          </p:cNvPicPr>
+          <p:nvPr/>
+        </p:nvPicPr>
+        <p:blipFill>
+          <a:blip r:embed="rId2" cstate="print">
+            <a:extLst>
+              <a:ext uri="{28A0092B-C50C-407E-A947-70E740481C1C}">
+                <a14:useLocalDpi xmlns:a14="http://schemas.microsoft.com/office/drawing/2010/main" val="0"/>
+              </a:ext>
+            </a:extLst>
+          </a:blip>
+          <a:stretch>
+            <a:fillRect/>
+          </a:stretch>
+        </p:blipFill>
+        <p:spPr>
+          <a:xfrm>
+            <a:off x="4870704" y="3509963"/>
+            <a:ext cx="2889504" cy="2889504"/>
+          </a:xfrm>
+          <a:prstGeom prst="rect">
+            <a:avLst/>
+          </a:prstGeom>
+        </p:spPr>
+      </p:pic>
+    </p:spTree>
+    <p:extLst>
+      <p:ext uri="{BB962C8B-B14F-4D97-AF65-F5344CB8AC3E}">
+        <p14:creationId xmlns:p14="http://schemas.microsoft.com/office/powerpoint/2010/main" val="777288430"/>
+      </p:ext>
+    </p:extLst>
+  </p:cSld>
+  <p:clrMapOvr>
+    <a:masterClrMapping/>
+  </p:clrMapOvr>
+  <p:timing>
+    <p:tnLst>
+      <p:par>
+        <p:cTn id="1" dur="indefinite" restart="never" nodeType="tmRoot"/>
+      </p:par>
+    </p:tnLst>
+  </p:timing>
+</p:sld>
+</file>
+
+<file path=ppt/slides/slide3.xml><?xml version="1.0" encoding="utf-8"?>
+<p:sld xmlns:a="http://schemas.openxmlformats.org/drawingml/2006/main" xmlns:r="http://schemas.openxmlformats.org/officeDocument/2006/relationships" xmlns:p="http://schemas.openxmlformats.org/presentationml/2006/main">
+  <p:cSld>
+    <p:spTree>
+      <p:nvGrpSpPr>
+        <p:cNvPr id="1" name=""/>
+        <p:cNvGrpSpPr/>
+        <p:nvPr/>
+      </p:nvGrpSpPr>
+      <p:grpSpPr>
+        <a:xfrm>
+          <a:off x="0" y="0"/>
+          <a:ext cx="0" cy="0"/>
+          <a:chOff x="0" y="0"/>
+          <a:chExt cx="0" cy="0"/>
+        </a:xfrm>
+      </p:grpSpPr>
+      <p:sp>
+        <p:nvSpPr>
           <p:cNvPr id="2" name="Title 1"/>
           <p:cNvSpPr>
             <a:spLocks noGrp="1"/>
@@ -4651,7 +5071,7 @@
 </p:sld>
 </file>
 
-<file path=ppt/slides/slide3.xml><?xml version="1.0" encoding="utf-8"?>
+<file path=ppt/slides/slide4.xml><?xml version="1.0" encoding="utf-8"?>
 <p:sld xmlns:a="http://schemas.openxmlformats.org/drawingml/2006/main" xmlns:r="http://schemas.openxmlformats.org/officeDocument/2006/relationships" xmlns:p="http://schemas.openxmlformats.org/presentationml/2006/main">
   <p:cSld>
     <p:spTree>
@@ -4758,181 +5178,6 @@
 </p:sld>
 </file>
 
-<file path=ppt/slides/slide4.xml><?xml version="1.0" encoding="utf-8"?>
-<p:sld xmlns:a="http://schemas.openxmlformats.org/drawingml/2006/main" xmlns:r="http://schemas.openxmlformats.org/officeDocument/2006/relationships" xmlns:p="http://schemas.openxmlformats.org/presentationml/2006/main">
-  <p:cSld>
-    <p:spTree>
-      <p:nvGrpSpPr>
-        <p:cNvPr id="1" name=""/>
-        <p:cNvGrpSpPr/>
-        <p:nvPr/>
-      </p:nvGrpSpPr>
-      <p:grpSpPr>
-        <a:xfrm>
-          <a:off x="0" y="0"/>
-          <a:ext cx="0" cy="0"/>
-          <a:chOff x="0" y="0"/>
-          <a:chExt cx="0" cy="0"/>
-        </a:xfrm>
-      </p:grpSpPr>
-      <p:sp>
-        <p:nvSpPr>
-          <p:cNvPr id="2" name="Title 1"/>
-          <p:cNvSpPr>
-            <a:spLocks noGrp="1"/>
-          </p:cNvSpPr>
-          <p:nvPr>
-            <p:ph type="title"/>
-          </p:nvPr>
-        </p:nvSpPr>
-        <p:spPr/>
-        <p:txBody>
-          <a:bodyPr/>
-          <a:lstStyle/>
-          <a:p>
-            <a:r>
-              <a:rPr lang="ru-RU" dirty="0" smtClean="0"/>
-              <a:t>Процесс </a:t>
-            </a:r>
-            <a:r>
-              <a:rPr lang="ru-RU" dirty="0" err="1" smtClean="0"/>
-              <a:t>генрациии</a:t>
-            </a:r>
-            <a:r>
-              <a:rPr lang="ru-RU" dirty="0" smtClean="0"/>
-              <a:t> </a:t>
-            </a:r>
-            <a:r>
-              <a:rPr lang="de-AT" dirty="0" err="1" smtClean="0"/>
-              <a:t>pdf</a:t>
-            </a:r>
-            <a:endParaRPr lang="en-GB" dirty="0"/>
-          </a:p>
-        </p:txBody>
-      </p:sp>
-      <p:sp>
-        <p:nvSpPr>
-          <p:cNvPr id="3" name="Content Placeholder 2"/>
-          <p:cNvSpPr>
-            <a:spLocks noGrp="1"/>
-          </p:cNvSpPr>
-          <p:nvPr>
-            <p:ph idx="1"/>
-          </p:nvPr>
-        </p:nvSpPr>
-        <p:spPr/>
-        <p:txBody>
-          <a:bodyPr>
-            <a:normAutofit/>
-          </a:bodyPr>
-          <a:lstStyle/>
-          <a:p>
-            <a:r>
-              <a:rPr lang="ru-RU" dirty="0" smtClean="0"/>
-              <a:t>Получить данные по продукту из базы.</a:t>
-            </a:r>
-            <a:endParaRPr lang="ru-RU" dirty="0"/>
-          </a:p>
-          <a:p>
-            <a:r>
-              <a:rPr lang="ru-RU" dirty="0" smtClean="0"/>
-              <a:t>Получить картинку продукта </a:t>
-            </a:r>
-            <a:r>
-              <a:rPr lang="de-AT" dirty="0" smtClean="0"/>
-              <a:t>/ </a:t>
-            </a:r>
-            <a:r>
-              <a:rPr lang="ru-RU" dirty="0" smtClean="0"/>
-              <a:t>другие картинки.</a:t>
-            </a:r>
-          </a:p>
-          <a:p>
-            <a:r>
-              <a:rPr lang="ru-RU" dirty="0" smtClean="0"/>
-              <a:t>Уменьшить качество картинки до мах </a:t>
-            </a:r>
-            <a:r>
-              <a:rPr lang="de-AT" dirty="0" smtClean="0"/>
-              <a:t>600px/in</a:t>
-            </a:r>
-            <a:r>
-              <a:rPr lang="ru-RU" dirty="0" smtClean="0"/>
-              <a:t>, обрезка.</a:t>
-            </a:r>
-            <a:endParaRPr lang="de-AT" dirty="0" smtClean="0"/>
-          </a:p>
-          <a:p>
-            <a:r>
-              <a:rPr lang="ru-RU" dirty="0" err="1" smtClean="0"/>
-              <a:t>Отрендерить</a:t>
-            </a:r>
-            <a:r>
-              <a:rPr lang="ru-RU" dirty="0" smtClean="0"/>
-              <a:t> шаблоны и перенести на </a:t>
-            </a:r>
-            <a:r>
-              <a:rPr lang="de-AT" dirty="0" smtClean="0"/>
-              <a:t>PDF </a:t>
-            </a:r>
-            <a:r>
-              <a:rPr lang="de-AT" dirty="0" err="1" smtClean="0"/>
-              <a:t>canvas</a:t>
-            </a:r>
-            <a:endParaRPr lang="de-AT" dirty="0" smtClean="0"/>
-          </a:p>
-          <a:p>
-            <a:r>
-              <a:rPr lang="ru-RU" dirty="0" smtClean="0"/>
-              <a:t>Сохранить файл.</a:t>
-            </a:r>
-          </a:p>
-          <a:p>
-            <a:r>
-              <a:rPr lang="ru-RU" dirty="0" smtClean="0"/>
-              <a:t>Сообщить ссылку пользователю.</a:t>
-            </a:r>
-          </a:p>
-          <a:p>
-            <a:endParaRPr lang="ru-RU" dirty="0"/>
-          </a:p>
-          <a:p>
-            <a:endParaRPr lang="ru-RU" dirty="0" smtClean="0"/>
-          </a:p>
-          <a:p>
-            <a:pPr marL="0" indent="0">
-              <a:buNone/>
-            </a:pPr>
-            <a:endParaRPr lang="ru-RU" dirty="0" smtClean="0"/>
-          </a:p>
-          <a:p>
-            <a:endParaRPr lang="ru-RU" dirty="0" smtClean="0"/>
-          </a:p>
-          <a:p>
-            <a:endParaRPr lang="ru-RU" dirty="0" smtClean="0"/>
-          </a:p>
-        </p:txBody>
-      </p:sp>
-    </p:spTree>
-    <p:extLst>
-      <p:ext uri="{BB962C8B-B14F-4D97-AF65-F5344CB8AC3E}">
-        <p14:creationId xmlns:p14="http://schemas.microsoft.com/office/powerpoint/2010/main" val="1509621304"/>
-      </p:ext>
-    </p:extLst>
-  </p:cSld>
-  <p:clrMapOvr>
-    <a:masterClrMapping/>
-  </p:clrMapOvr>
-  <p:timing>
-    <p:tnLst>
-      <p:par>
-        <p:cTn id="1" dur="indefinite" restart="never" nodeType="tmRoot"/>
-      </p:par>
-    </p:tnLst>
-  </p:timing>
-</p:sld>
-</file>
-
 <file path=ppt/slides/slide5.xml><?xml version="1.0" encoding="utf-8"?>
 <p:sld xmlns:a="http://schemas.openxmlformats.org/drawingml/2006/main" xmlns:r="http://schemas.openxmlformats.org/officeDocument/2006/relationships" xmlns:p="http://schemas.openxmlformats.org/presentationml/2006/main">
   <p:cSld>
@@ -4967,7 +5212,19 @@
           <a:p>
             <a:r>
               <a:rPr lang="ru-RU" dirty="0" smtClean="0"/>
-              <a:t>Сложности</a:t>
+              <a:t>Процесс </a:t>
+            </a:r>
+            <a:r>
+              <a:rPr lang="ru-RU" dirty="0" err="1" smtClean="0"/>
+              <a:t>генрациии</a:t>
+            </a:r>
+            <a:r>
+              <a:rPr lang="ru-RU" dirty="0" smtClean="0"/>
+              <a:t> </a:t>
+            </a:r>
+            <a:r>
+              <a:rPr lang="de-AT" dirty="0" err="1" smtClean="0"/>
+              <a:t>pdf</a:t>
             </a:r>
             <a:endParaRPr lang="en-GB" dirty="0"/>
           </a:p>
@@ -4990,12 +5247,16 @@
           </a:bodyPr>
           <a:lstStyle/>
           <a:p>
-            <a:pPr marL="0" indent="0">
-              <a:buNone/>
-            </a:pPr>
             <a:r>
               <a:rPr lang="ru-RU" dirty="0" smtClean="0"/>
-              <a:t>1. 700 пользователей в день </a:t>
+              <a:t>Получить данные по продукту из базы.</a:t>
+            </a:r>
+            <a:endParaRPr lang="ru-RU" dirty="0"/>
+          </a:p>
+          <a:p>
+            <a:r>
+              <a:rPr lang="ru-RU" dirty="0" smtClean="0"/>
+              <a:t>Получить картинку продукта </a:t>
             </a:r>
             <a:r>
               <a:rPr lang="de-AT" dirty="0" smtClean="0"/>
@@ -5003,119 +5264,71 @@
             </a:r>
             <a:r>
               <a:rPr lang="ru-RU" dirty="0" smtClean="0"/>
-              <a:t>до 12 пользователей одномоментно.</a:t>
-            </a:r>
+              <a:t>другие картинки.</a:t>
+            </a:r>
+          </a:p>
+          <a:p>
+            <a:r>
+              <a:rPr lang="ru-RU" dirty="0" smtClean="0"/>
+              <a:t>Уменьшить качество картинки до мах </a:t>
+            </a:r>
+            <a:r>
+              <a:rPr lang="de-AT" dirty="0" smtClean="0"/>
+              <a:t>600px/in</a:t>
+            </a:r>
+            <a:r>
+              <a:rPr lang="ru-RU" dirty="0" smtClean="0"/>
+              <a:t>, обрезка.</a:t>
+            </a:r>
+            <a:endParaRPr lang="de-AT" dirty="0" smtClean="0"/>
+          </a:p>
+          <a:p>
+            <a:r>
+              <a:rPr lang="ru-RU" dirty="0" err="1" smtClean="0"/>
+              <a:t>Отрендерить</a:t>
+            </a:r>
+            <a:r>
+              <a:rPr lang="ru-RU" dirty="0" smtClean="0"/>
+              <a:t> шаблоны и перенести на </a:t>
+            </a:r>
+            <a:r>
+              <a:rPr lang="de-AT" dirty="0" smtClean="0"/>
+              <a:t>PDF </a:t>
+            </a:r>
+            <a:r>
+              <a:rPr lang="de-AT" dirty="0" err="1" smtClean="0"/>
+              <a:t>canvas</a:t>
+            </a:r>
+            <a:endParaRPr lang="de-AT" dirty="0" smtClean="0"/>
+          </a:p>
+          <a:p>
+            <a:r>
+              <a:rPr lang="ru-RU" dirty="0" smtClean="0"/>
+              <a:t>Сохранить файл.</a:t>
+            </a:r>
+          </a:p>
+          <a:p>
+            <a:r>
+              <a:rPr lang="ru-RU" dirty="0" smtClean="0"/>
+              <a:t>Сообщить ссылку пользователю.</a:t>
+            </a:r>
+          </a:p>
+          <a:p>
+            <a:endParaRPr lang="ru-RU" dirty="0"/>
+          </a:p>
+          <a:p>
+            <a:endParaRPr lang="ru-RU" dirty="0" smtClean="0"/>
           </a:p>
           <a:p>
             <a:pPr marL="0" indent="0">
               <a:buNone/>
             </a:pPr>
-            <a:r>
-              <a:rPr lang="ru-RU" dirty="0" smtClean="0"/>
-              <a:t>2. Время генерации до 15 минут. </a:t>
-            </a:r>
-          </a:p>
-          <a:p>
-            <a:pPr marL="0" indent="0">
-              <a:buNone/>
-            </a:pPr>
-            <a:r>
-              <a:rPr lang="ru-RU" dirty="0" smtClean="0"/>
-              <a:t>3. С 2019 около падения по </a:t>
-            </a:r>
-            <a:r>
-              <a:rPr lang="de-AT" dirty="0" smtClean="0"/>
-              <a:t>Timeout.</a:t>
-            </a:r>
             <a:endParaRPr lang="ru-RU" dirty="0" smtClean="0"/>
           </a:p>
           <a:p>
-            <a:pPr marL="0" indent="0">
-              <a:buNone/>
-            </a:pPr>
-            <a:r>
-              <a:rPr lang="ru-RU" dirty="0" smtClean="0"/>
-              <a:t>4. В максимальном </a:t>
-            </a:r>
-            <a:r>
-              <a:rPr lang="de-AT" dirty="0" smtClean="0"/>
-              <a:t>PDF 52 </a:t>
-            </a:r>
-            <a:r>
-              <a:rPr lang="ru-RU" dirty="0"/>
-              <a:t>ш</a:t>
-            </a:r>
-            <a:r>
-              <a:rPr lang="ru-RU" dirty="0" smtClean="0"/>
-              <a:t>аблона.</a:t>
-            </a:r>
-            <a:endParaRPr lang="ru-RU" dirty="0"/>
-          </a:p>
-          <a:p>
-            <a:pPr marL="0" indent="0">
-              <a:buNone/>
-            </a:pPr>
-            <a:r>
-              <a:rPr lang="de-AT" dirty="0"/>
-              <a:t>5</a:t>
-            </a:r>
-            <a:r>
-              <a:rPr lang="ru-RU" dirty="0" smtClean="0"/>
-              <a:t>. В максимальном </a:t>
-            </a:r>
-            <a:r>
-              <a:rPr lang="de-AT" dirty="0" smtClean="0"/>
-              <a:t>PDF 24000 </a:t>
-            </a:r>
-            <a:r>
-              <a:rPr lang="ru-RU" dirty="0" smtClean="0"/>
-              <a:t>запроса в базу, около 7000 картинок.</a:t>
-            </a:r>
-            <a:endParaRPr lang="de-AT" dirty="0" smtClean="0"/>
-          </a:p>
-          <a:p>
-            <a:pPr marL="0" indent="0">
-              <a:buNone/>
-            </a:pPr>
-            <a:r>
-              <a:rPr lang="de-AT" dirty="0"/>
-              <a:t>6</a:t>
-            </a:r>
-            <a:r>
-              <a:rPr lang="ru-RU" dirty="0" smtClean="0"/>
-              <a:t>. Размер Максимального </a:t>
-            </a:r>
-            <a:r>
-              <a:rPr lang="de-AT" dirty="0" smtClean="0"/>
-              <a:t>PDF</a:t>
-            </a:r>
-            <a:r>
-              <a:rPr lang="ru-RU" dirty="0" smtClean="0"/>
-              <a:t> </a:t>
-            </a:r>
-            <a:r>
-              <a:rPr lang="de-AT" dirty="0" smtClean="0"/>
-              <a:t>- 4gb</a:t>
-            </a:r>
-            <a:r>
-              <a:rPr lang="ru-RU" dirty="0" smtClean="0"/>
-              <a:t>. (без сжатия)</a:t>
-            </a:r>
-          </a:p>
-          <a:p>
-            <a:pPr marL="0" indent="0">
-              <a:buNone/>
-            </a:pPr>
-            <a:r>
-              <a:rPr lang="de-AT" dirty="0" smtClean="0"/>
-              <a:t>https://www.grissemann.at/cms-asset/images/sortiment/uebersicht/Grissemann_Weinkatalog_2023-Sommer_web.pdf</a:t>
-            </a:r>
             <a:endParaRPr lang="ru-RU" dirty="0" smtClean="0"/>
           </a:p>
           <a:p>
-            <a:pPr marL="0" indent="0">
-              <a:buNone/>
-            </a:pPr>
             <a:endParaRPr lang="ru-RU" dirty="0" smtClean="0"/>
           </a:p>
         </p:txBody>
@@ -5123,7 +5336,7 @@
     </p:spTree>
     <p:extLst>
       <p:ext uri="{BB962C8B-B14F-4D97-AF65-F5344CB8AC3E}">
-        <p14:creationId xmlns:p14="http://schemas.microsoft.com/office/powerpoint/2010/main" val="573322916"/>
+        <p14:creationId xmlns:p14="http://schemas.microsoft.com/office/powerpoint/2010/main" val="1509621304"/>
       </p:ext>
     </p:extLst>
   </p:cSld>
@@ -5174,7 +5387,7 @@
           <a:p>
             <a:r>
               <a:rPr lang="ru-RU" dirty="0" smtClean="0"/>
-              <a:t>Как решать?</a:t>
+              <a:t>Сложности</a:t>
             </a:r>
             <a:endParaRPr lang="en-GB" dirty="0"/>
           </a:p>
@@ -5197,29 +5410,12 @@
           </a:bodyPr>
           <a:lstStyle/>
           <a:p>
+            <a:pPr marL="0" indent="0">
+              <a:buNone/>
+            </a:pPr>
             <a:r>
               <a:rPr lang="ru-RU" dirty="0" smtClean="0"/>
-              <a:t>Все что можно пихать в С</a:t>
-            </a:r>
-            <a:r>
-              <a:rPr lang="de-AT" dirty="0" err="1" smtClean="0"/>
-              <a:t>ache</a:t>
-            </a:r>
-            <a:r>
-              <a:rPr lang="ru-RU" dirty="0" smtClean="0"/>
-              <a:t>.</a:t>
-            </a:r>
-          </a:p>
-          <a:p>
-            <a:r>
-              <a:rPr lang="ru-RU" dirty="0" smtClean="0"/>
-              <a:t>Работать в генераторном режиме, без повторов.</a:t>
-            </a:r>
-          </a:p>
-          <a:p>
-            <a:r>
-              <a:rPr lang="ru-RU" dirty="0" smtClean="0"/>
-              <a:t>Распараллелить загрузку картинок (файл </a:t>
+              <a:t>1. 700 пользователей в день </a:t>
             </a:r>
             <a:r>
               <a:rPr lang="de-AT" dirty="0" smtClean="0"/>
@@ -5227,41 +5423,127 @@
             </a:r>
             <a:r>
               <a:rPr lang="ru-RU" dirty="0" smtClean="0"/>
-              <a:t>внешний ресурс)</a:t>
-            </a:r>
-          </a:p>
-          <a:p>
+              <a:t>до 12 пользователей одномоментно.</a:t>
+            </a:r>
+          </a:p>
+          <a:p>
+            <a:pPr marL="0" indent="0">
+              <a:buNone/>
+            </a:pPr>
             <a:r>
               <a:rPr lang="ru-RU" dirty="0" smtClean="0"/>
-              <a:t>Распараллелить обсчет картинок</a:t>
-            </a:r>
-          </a:p>
-          <a:p>
+              <a:t>2. Время генерации до 15 минут. </a:t>
+            </a:r>
+          </a:p>
+          <a:p>
+            <a:pPr marL="0" indent="0">
+              <a:buNone/>
+            </a:pPr>
             <a:r>
               <a:rPr lang="ru-RU" dirty="0" smtClean="0"/>
-              <a:t>Запросы в базу оптимизировать </a:t>
+              <a:t>3. С 2019 около падения по </a:t>
             </a:r>
             <a:r>
               <a:rPr lang="de-AT" dirty="0" smtClean="0"/>
-              <a:t>/ </a:t>
-            </a:r>
+              <a:t>Timeout.</a:t>
+            </a:r>
+            <a:endParaRPr lang="ru-RU" dirty="0" smtClean="0"/>
+          </a:p>
+          <a:p>
+            <a:pPr marL="0" indent="0">
+              <a:buNone/>
+            </a:pPr>
             <a:r>
               <a:rPr lang="ru-RU" dirty="0" smtClean="0"/>
-              <a:t>распараллелить</a:t>
-            </a:r>
+              <a:t>4. В максимальном </a:t>
+            </a:r>
+            <a:r>
+              <a:rPr lang="de-AT" dirty="0" smtClean="0"/>
+              <a:t>PDF 52 </a:t>
+            </a:r>
+            <a:r>
+              <a:rPr lang="ru-RU" dirty="0"/>
+              <a:t>ш</a:t>
+            </a:r>
+            <a:r>
+              <a:rPr lang="ru-RU" dirty="0" smtClean="0"/>
+              <a:t>аблона.</a:t>
+            </a:r>
+            <a:endParaRPr lang="ru-RU" dirty="0"/>
           </a:p>
           <a:p>
             <a:pPr marL="0" indent="0">
               <a:buNone/>
             </a:pPr>
-            <a:endParaRPr lang="ru-RU" dirty="0"/>
+            <a:r>
+              <a:rPr lang="de-AT" dirty="0"/>
+              <a:t>5</a:t>
+            </a:r>
+            <a:r>
+              <a:rPr lang="ru-RU" dirty="0" smtClean="0"/>
+              <a:t>. В максимальном </a:t>
+            </a:r>
+            <a:r>
+              <a:rPr lang="de-AT" dirty="0" smtClean="0"/>
+              <a:t>PDF 24000 </a:t>
+            </a:r>
+            <a:r>
+              <a:rPr lang="ru-RU" dirty="0" smtClean="0"/>
+              <a:t>запроса в базу, около 7000 картинок.</a:t>
+            </a:r>
+            <a:endParaRPr lang="de-AT" dirty="0" smtClean="0"/>
+          </a:p>
+          <a:p>
+            <a:pPr marL="0" indent="0">
+              <a:buNone/>
+            </a:pPr>
+            <a:r>
+              <a:rPr lang="de-AT" dirty="0"/>
+              <a:t>6</a:t>
+            </a:r>
+            <a:r>
+              <a:rPr lang="ru-RU" dirty="0" smtClean="0"/>
+              <a:t>. Размер Максимального </a:t>
+            </a:r>
+            <a:r>
+              <a:rPr lang="de-AT" dirty="0" smtClean="0"/>
+              <a:t>PDF</a:t>
+            </a:r>
+            <a:r>
+              <a:rPr lang="ru-RU" dirty="0" smtClean="0"/>
+              <a:t> </a:t>
+            </a:r>
+            <a:r>
+              <a:rPr lang="de-AT" dirty="0" smtClean="0"/>
+              <a:t>- 4gb</a:t>
+            </a:r>
+            <a:r>
+              <a:rPr lang="ru-RU" dirty="0" smtClean="0"/>
+              <a:t>. (без сжатия)</a:t>
+            </a:r>
+          </a:p>
+          <a:p>
+            <a:pPr marL="0" indent="0">
+              <a:buNone/>
+            </a:pPr>
+            <a:r>
+              <a:rPr lang="de-AT" dirty="0" smtClean="0"/>
+              <a:t>https://www.grissemann.at/cms-asset/images/sortiment/uebersicht/Grissemann_Weinkatalog_2023-Sommer_web.pdf</a:t>
+            </a:r>
+            <a:endParaRPr lang="ru-RU" dirty="0" smtClean="0"/>
+          </a:p>
+          <a:p>
+            <a:pPr marL="0" indent="0">
+              <a:buNone/>
+            </a:pPr>
+            <a:endParaRPr lang="ru-RU" dirty="0" smtClean="0"/>
           </a:p>
         </p:txBody>
       </p:sp>
     </p:spTree>
     <p:extLst>
       <p:ext uri="{BB962C8B-B14F-4D97-AF65-F5344CB8AC3E}">
-        <p14:creationId xmlns:p14="http://schemas.microsoft.com/office/powerpoint/2010/main" val="2514315284"/>
+        <p14:creationId xmlns:p14="http://schemas.microsoft.com/office/powerpoint/2010/main" val="573322916"/>
       </p:ext>
     </p:extLst>
   </p:cSld>
@@ -5312,88 +5594,94 @@
           <a:p>
             <a:r>
               <a:rPr lang="ru-RU" dirty="0" smtClean="0"/>
-              <a:t>Что можно сделать с помощью </a:t>
+              <a:t>Как решать?</a:t>
+            </a:r>
+            <a:endParaRPr lang="en-GB" dirty="0"/>
+          </a:p>
+        </p:txBody>
+      </p:sp>
+      <p:sp>
+        <p:nvSpPr>
+          <p:cNvPr id="3" name="Content Placeholder 2"/>
+          <p:cNvSpPr>
+            <a:spLocks noGrp="1"/>
+          </p:cNvSpPr>
+          <p:nvPr>
+            <p:ph idx="1"/>
+          </p:nvPr>
+        </p:nvSpPr>
+        <p:spPr/>
+        <p:txBody>
+          <a:bodyPr>
+            <a:normAutofit/>
+          </a:bodyPr>
+          <a:lstStyle/>
+          <a:p>
+            <a:r>
+              <a:rPr lang="ru-RU" dirty="0" smtClean="0"/>
+              <a:t>Все что можно пихать в С</a:t>
             </a:r>
             <a:r>
               <a:rPr lang="de-AT" dirty="0" err="1" smtClean="0"/>
-              <a:t>async</a:t>
-            </a:r>
-            <a:r>
-              <a:rPr lang="ru-RU" dirty="0"/>
-              <a:t>?</a:t>
-            </a:r>
-            <a:endParaRPr lang="en-GB" dirty="0"/>
-          </a:p>
-        </p:txBody>
-      </p:sp>
-      <p:sp>
-        <p:nvSpPr>
-          <p:cNvPr id="3" name="Content Placeholder 2"/>
-          <p:cNvSpPr>
-            <a:spLocks noGrp="1"/>
-          </p:cNvSpPr>
-          <p:nvPr>
-            <p:ph idx="1"/>
-          </p:nvPr>
-        </p:nvSpPr>
-        <p:spPr/>
-        <p:txBody>
-          <a:bodyPr/>
-          <a:lstStyle/>
-          <a:p>
+              <a:t>ache</a:t>
+            </a:r>
             <a:r>
               <a:rPr lang="ru-RU" dirty="0" smtClean="0"/>
-              <a:t>Файлы чтение</a:t>
+              <a:t>.</a:t>
             </a:r>
           </a:p>
           <a:p>
             <a:r>
               <a:rPr lang="ru-RU" dirty="0" smtClean="0"/>
-              <a:t>Файлы запись</a:t>
+              <a:t>Работать в генераторном режиме, без повторов.</a:t>
             </a:r>
           </a:p>
           <a:p>
             <a:r>
               <a:rPr lang="ru-RU" dirty="0" smtClean="0"/>
-              <a:t>Выполнение несвязных обращений к базе</a:t>
-            </a:r>
-          </a:p>
-          <a:p>
+              <a:t>Распараллелить загрузку картинок (файл </a:t>
+            </a:r>
+            <a:r>
+              <a:rPr lang="de-AT" dirty="0" smtClean="0"/>
+              <a:t>/ </a:t>
+            </a:r>
             <a:r>
               <a:rPr lang="ru-RU" dirty="0" smtClean="0"/>
-              <a:t>Запись в </a:t>
-            </a:r>
-            <a:r>
-              <a:rPr lang="de-AT" dirty="0" err="1" smtClean="0"/>
-              <a:t>response</a:t>
-            </a:r>
-            <a:endParaRPr lang="de-AT" dirty="0" smtClean="0"/>
-          </a:p>
-          <a:p>
-            <a:endParaRPr lang="de-AT" dirty="0"/>
+              <a:t>внешний ресурс)</a:t>
+            </a:r>
           </a:p>
           <a:p>
             <a:r>
               <a:rPr lang="ru-RU" dirty="0" smtClean="0"/>
-              <a:t>Вероятно обсчет картинок??</a:t>
-            </a:r>
-          </a:p>
-          <a:p>
-            <a:endParaRPr lang="ru-RU" dirty="0" smtClean="0"/>
+              <a:t>Распараллелить обсчет картинок</a:t>
+            </a:r>
           </a:p>
           <a:p>
             <a:r>
               <a:rPr lang="ru-RU" dirty="0" smtClean="0"/>
-              <a:t>Ваши варианты…</a:t>
-            </a:r>
-            <a:endParaRPr lang="en-GB" dirty="0"/>
+              <a:t>Запросы в базу оптимизировать </a:t>
+            </a:r>
+            <a:r>
+              <a:rPr lang="de-AT" dirty="0" smtClean="0"/>
+              <a:t>/ </a:t>
+            </a:r>
+            <a:r>
+              <a:rPr lang="ru-RU" dirty="0" smtClean="0"/>
+              <a:t>распараллелить</a:t>
+            </a:r>
+          </a:p>
+          <a:p>
+            <a:pPr marL="0" indent="0">
+              <a:buNone/>
+            </a:pPr>
+            <a:endParaRPr lang="ru-RU" dirty="0"/>
           </a:p>
         </p:txBody>
       </p:sp>
     </p:spTree>
     <p:extLst>
       <p:ext uri="{BB962C8B-B14F-4D97-AF65-F5344CB8AC3E}">
-        <p14:creationId xmlns:p14="http://schemas.microsoft.com/office/powerpoint/2010/main" val="236052470"/>
+        <p14:creationId xmlns:p14="http://schemas.microsoft.com/office/powerpoint/2010/main" val="2514315284"/>
       </p:ext>
     </p:extLst>
   </p:cSld>
@@ -5444,7 +5732,15 @@
           <a:p>
             <a:r>
               <a:rPr lang="ru-RU" dirty="0" smtClean="0"/>
-              <a:t>Выбор инструмента</a:t>
+              <a:t>Что можно сделать с помощью </a:t>
+            </a:r>
+            <a:r>
+              <a:rPr lang="de-AT" dirty="0" err="1" smtClean="0"/>
+              <a:t>async</a:t>
+            </a:r>
+            <a:r>
+              <a:rPr lang="ru-RU" dirty="0"/>
+              <a:t>?</a:t>
             </a:r>
             <a:endParaRPr lang="en-GB" dirty="0"/>
           </a:p>
@@ -5462,30 +5758,34 @@
         </p:nvSpPr>
         <p:spPr/>
         <p:txBody>
-          <a:bodyPr>
-            <a:normAutofit lnSpcReduction="10000"/>
-          </a:bodyPr>
-          <a:lstStyle/>
-          <a:p>
+          <a:bodyPr/>
+          <a:lstStyle/>
+          <a:p>
+            <a:r>
+              <a:rPr lang="ru-RU" dirty="0" smtClean="0"/>
+              <a:t>Файлы чтение</a:t>
+            </a:r>
+          </a:p>
+          <a:p>
+            <a:r>
+              <a:rPr lang="ru-RU" dirty="0" smtClean="0"/>
+              <a:t>Файлы запись</a:t>
+            </a:r>
+          </a:p>
+          <a:p>
+            <a:r>
+              <a:rPr lang="ru-RU" dirty="0" smtClean="0"/>
+              <a:t>Выполнение несвязных обращений к базе</a:t>
+            </a:r>
+          </a:p>
+          <a:p>
+            <a:r>
+              <a:rPr lang="ru-RU" dirty="0" smtClean="0"/>
+              <a:t>Запись в </a:t>
+            </a:r>
             <a:r>
               <a:rPr lang="de-AT" dirty="0" err="1" smtClean="0"/>
-              <a:t>Asyncio</a:t>
-            </a:r>
-            <a:r>
-              <a:rPr lang="de-AT" dirty="0" smtClean="0"/>
-              <a:t> + </a:t>
-            </a:r>
-            <a:r>
-              <a:rPr lang="de-AT" dirty="0" err="1" smtClean="0"/>
-              <a:t>Aiohttp</a:t>
-            </a:r>
-            <a:r>
-              <a:rPr lang="de-AT" dirty="0" smtClean="0"/>
-              <a:t> + </a:t>
-            </a:r>
-            <a:r>
-              <a:rPr lang="de-AT" dirty="0" err="1" smtClean="0"/>
-              <a:t>Aiofile</a:t>
+              <a:t>response</a:t>
             </a:r>
             <a:endParaRPr lang="de-AT" dirty="0" smtClean="0"/>
           </a:p>
@@ -5494,46 +5794,17 @@
           </a:p>
           <a:p>
             <a:r>
-              <a:rPr lang="de-AT" dirty="0" err="1" smtClean="0"/>
-              <a:t>Curio</a:t>
-            </a:r>
-            <a:r>
-              <a:rPr lang="de-AT" dirty="0" smtClean="0"/>
-              <a:t> ?</a:t>
-            </a:r>
-          </a:p>
-          <a:p>
-            <a:pPr marL="0" indent="0">
-              <a:buNone/>
-            </a:pPr>
-            <a:endParaRPr lang="de-AT" dirty="0"/>
-          </a:p>
-          <a:p>
-            <a:r>
-              <a:rPr lang="de-AT" dirty="0" smtClean="0"/>
-              <a:t>Trio ??</a:t>
-            </a:r>
-          </a:p>
-          <a:p>
-            <a:endParaRPr lang="de-AT" dirty="0"/>
-          </a:p>
-          <a:p>
-            <a:r>
-              <a:rPr lang="de-AT" dirty="0" err="1" smtClean="0"/>
-              <a:t>Greenlet's</a:t>
-            </a:r>
-            <a:r>
-              <a:rPr lang="de-AT" dirty="0" smtClean="0"/>
-              <a:t>  ???</a:t>
-            </a:r>
-          </a:p>
-          <a:p>
-            <a:endParaRPr lang="de-AT" dirty="0"/>
-          </a:p>
-          <a:p>
-            <a:r>
-              <a:rPr lang="de-AT" dirty="0" smtClean="0"/>
-              <a:t>????</a:t>
+              <a:rPr lang="ru-RU" dirty="0" smtClean="0"/>
+              <a:t>Вероятно обсчет картинок??</a:t>
+            </a:r>
+          </a:p>
+          <a:p>
+            <a:endParaRPr lang="ru-RU" dirty="0" smtClean="0"/>
+          </a:p>
+          <a:p>
+            <a:r>
+              <a:rPr lang="ru-RU" dirty="0" smtClean="0"/>
+              <a:t>Ваши варианты…</a:t>
             </a:r>
             <a:endParaRPr lang="en-GB" dirty="0"/>
           </a:p>
@@ -5542,7 +5813,7 @@
     </p:spTree>
     <p:extLst>
       <p:ext uri="{BB962C8B-B14F-4D97-AF65-F5344CB8AC3E}">
-        <p14:creationId xmlns:p14="http://schemas.microsoft.com/office/powerpoint/2010/main" val="3892814853"/>
+        <p14:creationId xmlns:p14="http://schemas.microsoft.com/office/powerpoint/2010/main" val="236052470"/>
       </p:ext>
     </p:extLst>
   </p:cSld>
@@ -5593,7 +5864,7 @@
           <a:p>
             <a:r>
               <a:rPr lang="ru-RU" dirty="0" smtClean="0"/>
-              <a:t>База:	</a:t>
+              <a:t>Выбор инструмента</a:t>
             </a:r>
             <a:endParaRPr lang="en-GB" dirty="0"/>
           </a:p>
@@ -5611,49 +5882,87 @@
         </p:nvSpPr>
         <p:spPr/>
         <p:txBody>
-          <a:bodyPr/>
-          <a:lstStyle/>
-          <a:p>
-            <a:endParaRPr lang="ru-RU" dirty="0" smtClean="0"/>
-          </a:p>
-          <a:p>
-            <a:r>
-              <a:rPr lang="en-GB" dirty="0"/>
-              <a:t>python 1_async.py sleep3 sec - </a:t>
-            </a:r>
-            <a:r>
-              <a:rPr lang="en-GB" dirty="0" smtClean="0"/>
-              <a:t>1.0129</a:t>
-            </a:r>
-          </a:p>
-          <a:p>
+          <a:bodyPr>
+            <a:normAutofit lnSpcReduction="10000"/>
+          </a:bodyPr>
+          <a:lstStyle/>
+          <a:p>
+            <a:r>
+              <a:rPr lang="de-AT" dirty="0" err="1" smtClean="0"/>
+              <a:t>Asyncio</a:t>
+            </a:r>
+            <a:r>
+              <a:rPr lang="de-AT" dirty="0" smtClean="0"/>
+              <a:t> + </a:t>
+            </a:r>
+            <a:r>
+              <a:rPr lang="de-AT" dirty="0" err="1" smtClean="0"/>
+              <a:t>Aiohttp</a:t>
+            </a:r>
+            <a:r>
+              <a:rPr lang="de-AT" dirty="0" smtClean="0"/>
+              <a:t> + </a:t>
+            </a:r>
+            <a:r>
+              <a:rPr lang="de-AT" dirty="0" err="1" smtClean="0"/>
+              <a:t>Aiofile</a:t>
+            </a:r>
+            <a:endParaRPr lang="de-AT" dirty="0" smtClean="0"/>
+          </a:p>
+          <a:p>
+            <a:endParaRPr lang="de-AT" dirty="0"/>
+          </a:p>
+          <a:p>
+            <a:r>
+              <a:rPr lang="de-AT" dirty="0" err="1" smtClean="0"/>
+              <a:t>Curio</a:t>
+            </a:r>
+            <a:r>
+              <a:rPr lang="de-AT" dirty="0" smtClean="0"/>
+              <a:t> ?</a:t>
+            </a:r>
+          </a:p>
+          <a:p>
+            <a:pPr marL="0" indent="0">
+              <a:buNone/>
+            </a:pPr>
+            <a:endParaRPr lang="de-AT" dirty="0"/>
+          </a:p>
+          <a:p>
+            <a:r>
+              <a:rPr lang="de-AT" dirty="0" smtClean="0"/>
+              <a:t>Trio ??</a:t>
+            </a:r>
+          </a:p>
+          <a:p>
+            <a:endParaRPr lang="de-AT" dirty="0"/>
+          </a:p>
+          <a:p>
+            <a:r>
+              <a:rPr lang="de-AT" dirty="0" err="1" smtClean="0"/>
+              <a:t>Greenlet's</a:t>
+            </a:r>
+            <a:r>
+              <a:rPr lang="de-AT" dirty="0" smtClean="0"/>
+              <a:t>  ???</a:t>
+            </a:r>
+          </a:p>
+          <a:p>
+            <a:endParaRPr lang="de-AT" dirty="0"/>
+          </a:p>
+          <a:p>
+            <a:r>
+              <a:rPr lang="de-AT" dirty="0" smtClean="0"/>
+              <a:t>????</a:t>
+            </a:r>
             <a:endParaRPr lang="en-GB" dirty="0"/>
-          </a:p>
-          <a:p>
-            <a:r>
-              <a:rPr lang="en-GB" u="sng" dirty="0"/>
-              <a:t>python 1_curi.py sleep3 sec - 1.0115</a:t>
-            </a:r>
-          </a:p>
-          <a:p>
-            <a:endParaRPr lang="en-GB" dirty="0" smtClean="0"/>
-          </a:p>
-          <a:p>
-            <a:r>
-              <a:rPr lang="en-GB" dirty="0" smtClean="0"/>
-              <a:t>python </a:t>
-            </a:r>
-            <a:r>
-              <a:rPr lang="en-GB" dirty="0"/>
-              <a:t>1_tri.py sleep3 sec  1.0507</a:t>
-            </a:r>
           </a:p>
         </p:txBody>
       </p:sp>
     </p:spTree>
     <p:extLst>
       <p:ext uri="{BB962C8B-B14F-4D97-AF65-F5344CB8AC3E}">
-        <p14:creationId xmlns:p14="http://schemas.microsoft.com/office/powerpoint/2010/main" val="2714203477"/>
+        <p14:creationId xmlns:p14="http://schemas.microsoft.com/office/powerpoint/2010/main" val="3892814853"/>
       </p:ext>
     </p:extLst>
   </p:cSld>
